--- a/Project5_第三組_小組報告/Project5_第三組_小組報告.pptx
+++ b/Project5_第三組_小組報告/Project5_第三組_小組報告.pptx
@@ -5,14 +5,15 @@
     <p:sldMasterId id="2147483672" r:id="rId1"/>
   </p:sldMasterIdLst>
   <p:notesMasterIdLst>
-    <p:notesMasterId r:id="rId7"/>
+    <p:notesMasterId r:id="rId8"/>
   </p:notesMasterIdLst>
   <p:sldIdLst>
     <p:sldId id="256" r:id="rId2"/>
-    <p:sldId id="291" r:id="rId3"/>
-    <p:sldId id="292" r:id="rId4"/>
+    <p:sldId id="271" r:id="rId3"/>
+    <p:sldId id="267" r:id="rId4"/>
     <p:sldId id="257" r:id="rId5"/>
-    <p:sldId id="267" r:id="rId6"/>
+    <p:sldId id="270" r:id="rId6"/>
+    <p:sldId id="269" r:id="rId7"/>
   </p:sldIdLst>
   <p:sldSz cx="12192000" cy="6858000"/>
   <p:notesSz cx="6858000" cy="9144000"/>
@@ -718,7 +719,7 @@
           <a:p>
             <a:fld id="{6B19A529-55D4-4564-870F-7E1F5FE8EC0E}" type="datetimeFigureOut">
               <a:rPr lang="zh-TW" altLang="en-US" smtClean="0"/>
-              <a:t>2021/4/4</a:t>
+              <a:t>2021/4/13</a:t>
             </a:fld>
             <a:endParaRPr lang="zh-TW" altLang="en-US"/>
           </a:p>
@@ -1211,7 +1212,7 @@
           <a:p>
             <a:fld id="{CB1A9A4B-8109-4FCA-A4B8-DC1246F1A173}" type="datetimeFigureOut">
               <a:rPr lang="zh-TW" altLang="en-US" smtClean="0"/>
-              <a:t>2021/4/4</a:t>
+              <a:t>2021/4/13</a:t>
             </a:fld>
             <a:endParaRPr lang="zh-TW" altLang="en-US"/>
           </a:p>
@@ -1419,7 +1420,7 @@
           <a:p>
             <a:fld id="{CB1A9A4B-8109-4FCA-A4B8-DC1246F1A173}" type="datetimeFigureOut">
               <a:rPr lang="zh-TW" altLang="en-US" smtClean="0"/>
-              <a:t>2021/4/4</a:t>
+              <a:t>2021/4/13</a:t>
             </a:fld>
             <a:endParaRPr lang="zh-TW" altLang="en-US"/>
           </a:p>
@@ -1675,7 +1676,7 @@
           <a:p>
             <a:fld id="{CB1A9A4B-8109-4FCA-A4B8-DC1246F1A173}" type="datetimeFigureOut">
               <a:rPr lang="zh-TW" altLang="en-US" smtClean="0"/>
-              <a:t>2021/4/4</a:t>
+              <a:t>2021/4/13</a:t>
             </a:fld>
             <a:endParaRPr lang="zh-TW" altLang="en-US"/>
           </a:p>
@@ -1845,7 +1846,7 @@
           <a:p>
             <a:fld id="{CB1A9A4B-8109-4FCA-A4B8-DC1246F1A173}" type="datetimeFigureOut">
               <a:rPr lang="zh-TW" altLang="en-US" smtClean="0"/>
-              <a:t>2021/4/4</a:t>
+              <a:t>2021/4/13</a:t>
             </a:fld>
             <a:endParaRPr lang="zh-TW" altLang="en-US"/>
           </a:p>
@@ -2188,7 +2189,7 @@
           <a:p>
             <a:fld id="{CB1A9A4B-8109-4FCA-A4B8-DC1246F1A173}" type="datetimeFigureOut">
               <a:rPr lang="zh-TW" altLang="en-US" smtClean="0"/>
-              <a:t>2021/4/4</a:t>
+              <a:t>2021/4/13</a:t>
             </a:fld>
             <a:endParaRPr lang="zh-TW" altLang="en-US"/>
           </a:p>
@@ -2463,7 +2464,7 @@
           <a:p>
             <a:fld id="{CB1A9A4B-8109-4FCA-A4B8-DC1246F1A173}" type="datetimeFigureOut">
               <a:rPr lang="zh-TW" altLang="en-US" smtClean="0"/>
-              <a:t>2021/4/4</a:t>
+              <a:t>2021/4/13</a:t>
             </a:fld>
             <a:endParaRPr lang="zh-TW" altLang="en-US"/>
           </a:p>
@@ -2842,7 +2843,7 @@
           <a:p>
             <a:fld id="{CB1A9A4B-8109-4FCA-A4B8-DC1246F1A173}" type="datetimeFigureOut">
               <a:rPr lang="zh-TW" altLang="en-US" smtClean="0"/>
-              <a:t>2021/4/4</a:t>
+              <a:t>2021/4/13</a:t>
             </a:fld>
             <a:endParaRPr lang="zh-TW" altLang="en-US"/>
           </a:p>
@@ -2960,7 +2961,7 @@
           <a:p>
             <a:fld id="{CB1A9A4B-8109-4FCA-A4B8-DC1246F1A173}" type="datetimeFigureOut">
               <a:rPr lang="zh-TW" altLang="en-US" smtClean="0"/>
-              <a:t>2021/4/4</a:t>
+              <a:t>2021/4/13</a:t>
             </a:fld>
             <a:endParaRPr lang="zh-TW" altLang="en-US"/>
           </a:p>
@@ -3131,7 +3132,7 @@
           <a:p>
             <a:fld id="{CB1A9A4B-8109-4FCA-A4B8-DC1246F1A173}" type="datetimeFigureOut">
               <a:rPr lang="zh-TW" altLang="en-US" smtClean="0"/>
-              <a:t>2021/4/4</a:t>
+              <a:t>2021/4/13</a:t>
             </a:fld>
             <a:endParaRPr lang="zh-TW" altLang="en-US"/>
           </a:p>
@@ -3485,7 +3486,7 @@
           <a:p>
             <a:fld id="{CB1A9A4B-8109-4FCA-A4B8-DC1246F1A173}" type="datetimeFigureOut">
               <a:rPr lang="zh-TW" altLang="en-US" smtClean="0"/>
-              <a:t>2021/4/4</a:t>
+              <a:t>2021/4/13</a:t>
             </a:fld>
             <a:endParaRPr lang="zh-TW" altLang="en-US"/>
           </a:p>
@@ -3862,7 +3863,7 @@
           <a:p>
             <a:fld id="{CB1A9A4B-8109-4FCA-A4B8-DC1246F1A173}" type="datetimeFigureOut">
               <a:rPr lang="zh-TW" altLang="en-US" smtClean="0"/>
-              <a:t>2021/4/4</a:t>
+              <a:t>2021/4/13</a:t>
             </a:fld>
             <a:endParaRPr lang="zh-TW" altLang="en-US"/>
           </a:p>
@@ -4149,7 +4150,7 @@
           <a:p>
             <a:fld id="{CB1A9A4B-8109-4FCA-A4B8-DC1246F1A173}" type="datetimeFigureOut">
               <a:rPr lang="zh-TW" altLang="en-US" smtClean="0"/>
-              <a:t>2021/4/4</a:t>
+              <a:t>2021/4/13</a:t>
             </a:fld>
             <a:endParaRPr lang="zh-TW" altLang="en-US"/>
           </a:p>
@@ -4690,7 +4691,7 @@
           <a:p>
             <a:r>
               <a:rPr lang="en-US" altLang="zh-TW" dirty="0" smtClean="0"/>
-              <a:t>Project4 </a:t>
+              <a:t>Project5</a:t>
             </a:r>
             <a:r>
               <a:rPr lang="en-US" altLang="zh-TW" dirty="0"/>
@@ -4830,130 +4831,143 @@
       </p:grpSpPr>
       <p:sp>
         <p:nvSpPr>
-          <p:cNvPr id="2" name="矩形 1"/>
-          <p:cNvSpPr/>
-          <p:nvPr/>
-        </p:nvSpPr>
-        <p:spPr>
-          <a:xfrm>
-            <a:off x="983226" y="333985"/>
-            <a:ext cx="1657185" cy="646331"/>
-          </a:xfrm>
-          <a:prstGeom prst="rect">
-            <a:avLst/>
-          </a:prstGeom>
-        </p:spPr>
-        <p:txBody>
-          <a:bodyPr wrap="none">
-            <a:spAutoFit/>
-          </a:bodyPr>
+          <p:cNvPr id="2" name="標題 1"/>
+          <p:cNvSpPr>
+            <a:spLocks noGrp="1"/>
+          </p:cNvSpPr>
+          <p:nvPr>
+            <p:ph type="title"/>
+          </p:nvPr>
+        </p:nvSpPr>
+        <p:spPr/>
+        <p:txBody>
+          <a:bodyPr/>
           <a:lstStyle/>
           <a:p>
             <a:r>
-              <a:rPr lang="en-US" altLang="zh-TW" sz="3600" dirty="0" smtClean="0">
-                <a:ea typeface="微軟正黑體" panose="020B0604030504040204" pitchFamily="34" charset="-120"/>
-              </a:rPr>
-              <a:t>wine</a:t>
-            </a:r>
-            <a:r>
-              <a:rPr lang="en-US" altLang="zh-TW" sz="3600" dirty="0" smtClean="0">
-                <a:ea typeface="微軟正黑體" panose="020B0604030504040204" pitchFamily="34" charset="-120"/>
-              </a:rPr>
-              <a:t>.py</a:t>
-            </a:r>
-            <a:endParaRPr lang="zh-TW" altLang="en-US" sz="3600" dirty="0"/>
-          </a:p>
-        </p:txBody>
-      </p:sp>
-      <p:sp>
-        <p:nvSpPr>
-          <p:cNvPr id="3" name="文字方塊 2"/>
-          <p:cNvSpPr txBox="1"/>
-          <p:nvPr/>
-        </p:nvSpPr>
-        <p:spPr>
-          <a:xfrm>
-            <a:off x="983226" y="1146572"/>
-            <a:ext cx="6424337" cy="4247317"/>
-          </a:xfrm>
-          <a:prstGeom prst="rect">
-            <a:avLst/>
-          </a:prstGeom>
-          <a:noFill/>
-        </p:spPr>
-        <p:txBody>
-          <a:bodyPr wrap="square" rtlCol="0">
-            <a:spAutoFit/>
-          </a:bodyPr>
+              <a:rPr lang="en-US" altLang="zh-TW" dirty="0"/>
+              <a:t>Images in google drive:</a:t>
+            </a:r>
+            <a:endParaRPr lang="zh-TW" altLang="en-US" dirty="0"/>
+          </a:p>
+        </p:txBody>
+      </p:sp>
+      <p:sp>
+        <p:nvSpPr>
+          <p:cNvPr id="3" name="內容版面配置區 2"/>
+          <p:cNvSpPr>
+            <a:spLocks noGrp="1"/>
+          </p:cNvSpPr>
+          <p:nvPr>
+            <p:ph idx="1"/>
+          </p:nvPr>
+        </p:nvSpPr>
+        <p:spPr/>
+        <p:txBody>
+          <a:bodyPr/>
           <a:lstStyle/>
           <a:p>
-            <a:r>
-              <a:rPr lang="en-US" altLang="zh-TW" dirty="0"/>
-              <a:t>from </a:t>
-            </a:r>
-            <a:r>
-              <a:rPr lang="en-US" altLang="zh-TW" dirty="0" err="1"/>
-              <a:t>sklearn</a:t>
-            </a:r>
-            <a:r>
-              <a:rPr lang="en-US" altLang="zh-TW" dirty="0"/>
-              <a:t> import datasets</a:t>
-            </a:r>
-          </a:p>
-          <a:p>
-            <a:r>
-              <a:rPr lang="en-US" altLang="zh-TW" dirty="0"/>
-              <a:t>from </a:t>
-            </a:r>
-            <a:r>
-              <a:rPr lang="en-US" altLang="zh-TW" dirty="0" err="1"/>
-              <a:t>sklearn.model_selection</a:t>
-            </a:r>
-            <a:r>
-              <a:rPr lang="en-US" altLang="zh-TW" dirty="0"/>
-              <a:t> import </a:t>
-            </a:r>
-            <a:r>
-              <a:rPr lang="en-US" altLang="zh-TW" dirty="0" err="1"/>
-              <a:t>train_test_split</a:t>
-            </a:r>
+            <a:pPr marL="0" indent="0">
+              <a:buNone/>
+            </a:pPr>
+            <a:r>
+              <a:rPr lang="en-US" altLang="zh-TW" dirty="0" smtClean="0"/>
+              <a:t>Please download the following two directories in google drive</a:t>
+            </a:r>
+          </a:p>
+          <a:p>
+            <a:pPr>
+              <a:buFont typeface="Wingdings" panose="05000000000000000000" pitchFamily="2" charset="2"/>
+              <a:buChar char="Ø"/>
+            </a:pPr>
+            <a:r>
+              <a:rPr lang="en-US" altLang="zh-TW" dirty="0" smtClean="0"/>
+              <a:t>cats_0_999</a:t>
+            </a:r>
+          </a:p>
+          <a:p>
+            <a:r>
+              <a:rPr lang="en-US" altLang="zh-TW" sz="1600" u="sng" dirty="0" smtClean="0">
+                <a:solidFill>
+                  <a:schemeClr val="tx1"/>
+                </a:solidFill>
+                <a:hlinkClick r:id="rId2"/>
+              </a:rPr>
+              <a:t>https</a:t>
+            </a:r>
+            <a:r>
+              <a:rPr lang="en-US" altLang="zh-TW" sz="1600" u="sng" dirty="0">
+                <a:solidFill>
+                  <a:schemeClr val="tx1"/>
+                </a:solidFill>
+                <a:hlinkClick r:id="rId2"/>
+              </a:rPr>
+              <a:t>://</a:t>
+            </a:r>
+            <a:r>
+              <a:rPr lang="en-US" altLang="zh-TW" sz="1600" u="sng" dirty="0" smtClean="0">
+                <a:solidFill>
+                  <a:schemeClr val="tx1"/>
+                </a:solidFill>
+                <a:hlinkClick r:id="rId2"/>
+              </a:rPr>
+              <a:t>drive.google.com/drive/folders/1lDoaCT78dJYHxFhlBZVvNSiktN6HIN_J?usp=sharing</a:t>
+            </a:r>
+            <a:endParaRPr lang="en-US" altLang="zh-TW" sz="1600" dirty="0" smtClean="0">
+              <a:solidFill>
+                <a:schemeClr val="tx1"/>
+              </a:solidFill>
+            </a:endParaRPr>
+          </a:p>
+          <a:p>
             <a:endParaRPr lang="en-US" altLang="zh-TW" dirty="0"/>
           </a:p>
           <a:p>
-            <a:r>
-              <a:rPr lang="en-US" altLang="zh-TW" dirty="0"/>
-              <a:t>from </a:t>
-            </a:r>
-            <a:r>
-              <a:rPr lang="en-US" altLang="zh-TW" dirty="0" err="1"/>
-              <a:t>sklearn</a:t>
-            </a:r>
-            <a:r>
-              <a:rPr lang="en-US" altLang="zh-TW" dirty="0"/>
-              <a:t> import </a:t>
-            </a:r>
-            <a:r>
-              <a:rPr lang="en-US" altLang="zh-TW" dirty="0" err="1"/>
-              <a:t>svm</a:t>
-            </a:r>
+            <a:pPr>
+              <a:buFont typeface="Wingdings" panose="05000000000000000000" pitchFamily="2" charset="2"/>
+              <a:buChar char="Ø"/>
+            </a:pPr>
+            <a:r>
+              <a:rPr lang="en-US" altLang="zh-TW" dirty="0" smtClean="0"/>
+              <a:t>prediction_1990_1999</a:t>
+            </a:r>
+          </a:p>
+          <a:p>
+            <a:r>
+              <a:rPr lang="en-US" altLang="zh-TW" sz="1600" u="sng" dirty="0" smtClean="0">
+                <a:solidFill>
+                  <a:schemeClr val="tx1"/>
+                </a:solidFill>
+                <a:hlinkClick r:id="rId3"/>
+              </a:rPr>
+              <a:t>https</a:t>
+            </a:r>
+            <a:r>
+              <a:rPr lang="en-US" altLang="zh-TW" sz="1600" u="sng" dirty="0">
+                <a:solidFill>
+                  <a:schemeClr val="tx1"/>
+                </a:solidFill>
+                <a:hlinkClick r:id="rId3"/>
+              </a:rPr>
+              <a:t>://</a:t>
+            </a:r>
+            <a:r>
+              <a:rPr lang="en-US" altLang="zh-TW" sz="1600" u="sng" dirty="0" smtClean="0">
+                <a:solidFill>
+                  <a:schemeClr val="tx1"/>
+                </a:solidFill>
+                <a:hlinkClick r:id="rId3"/>
+              </a:rPr>
+              <a:t>drive.google.com/drive/folders/13gwUP4-we6yhHGDE3j0fnLkhz10cBYu0?usp=sharing</a:t>
+            </a:r>
+            <a:endParaRPr lang="en-US" altLang="zh-TW" sz="1600" dirty="0" smtClean="0">
+              <a:solidFill>
+                <a:schemeClr val="tx1"/>
+              </a:solidFill>
+            </a:endParaRPr>
+          </a:p>
+          <a:p>
             <a:endParaRPr lang="en-US" altLang="zh-TW" dirty="0"/>
-          </a:p>
-          <a:p>
-            <a:endParaRPr lang="zh-TW" altLang="en-US" dirty="0"/>
-          </a:p>
-          <a:p>
-            <a:r>
-              <a:rPr lang="en-US" altLang="zh-TW" dirty="0"/>
-              <a:t>wine = </a:t>
-            </a:r>
-            <a:r>
-              <a:rPr lang="en-US" altLang="zh-TW" dirty="0" err="1"/>
-              <a:t>datasets.load_wine</a:t>
-            </a:r>
-            <a:r>
-              <a:rPr lang="en-US" altLang="zh-TW" dirty="0"/>
-              <a:t>()</a:t>
-            </a:r>
           </a:p>
           <a:p>
             <a:r>
@@ -4963,238 +4977,7 @@
             <a:br>
               <a:rPr lang="en-US" altLang="zh-TW" dirty="0"/>
             </a:br>
-            <a:r>
-              <a:rPr lang="en-US" altLang="zh-TW" dirty="0"/>
-              <a:t>X = </a:t>
-            </a:r>
-            <a:r>
-              <a:rPr lang="en-US" altLang="zh-TW" dirty="0" err="1" smtClean="0"/>
-              <a:t>wine.data</a:t>
-            </a:r>
             <a:endParaRPr lang="en-US" altLang="zh-TW" dirty="0"/>
-          </a:p>
-          <a:p>
-            <a:r>
-              <a:rPr lang="en-US" altLang="zh-TW" dirty="0"/>
-              <a:t>y = </a:t>
-            </a:r>
-            <a:r>
-              <a:rPr lang="en-US" altLang="zh-TW" dirty="0" err="1" smtClean="0"/>
-              <a:t>wine.target</a:t>
-            </a:r>
-            <a:endParaRPr lang="en-US" altLang="zh-TW" dirty="0"/>
-          </a:p>
-          <a:p>
-            <a:r>
-              <a:rPr lang="en-US" altLang="zh-TW" dirty="0"/>
-              <a:t/>
-            </a:r>
-            <a:br>
-              <a:rPr lang="en-US" altLang="zh-TW" dirty="0"/>
-            </a:br>
-            <a:r>
-              <a:rPr lang="en-US" altLang="zh-TW" dirty="0" err="1"/>
-              <a:t>X_train</a:t>
-            </a:r>
-            <a:r>
-              <a:rPr lang="en-US" altLang="zh-TW" dirty="0"/>
-              <a:t>, </a:t>
-            </a:r>
-            <a:r>
-              <a:rPr lang="en-US" altLang="zh-TW" dirty="0" err="1"/>
-              <a:t>X_test</a:t>
-            </a:r>
-            <a:r>
-              <a:rPr lang="en-US" altLang="zh-TW" dirty="0"/>
-              <a:t>, </a:t>
-            </a:r>
-            <a:r>
-              <a:rPr lang="en-US" altLang="zh-TW" dirty="0" err="1"/>
-              <a:t>y_train</a:t>
-            </a:r>
-            <a:r>
-              <a:rPr lang="en-US" altLang="zh-TW" dirty="0"/>
-              <a:t>, </a:t>
-            </a:r>
-            <a:r>
-              <a:rPr lang="en-US" altLang="zh-TW" dirty="0" err="1"/>
-              <a:t>y_test</a:t>
-            </a:r>
-            <a:r>
-              <a:rPr lang="en-US" altLang="zh-TW" dirty="0"/>
-              <a:t> = </a:t>
-            </a:r>
-            <a:r>
-              <a:rPr lang="en-US" altLang="zh-TW" dirty="0" err="1"/>
-              <a:t>train_test_split</a:t>
-            </a:r>
-            <a:r>
-              <a:rPr lang="en-US" altLang="zh-TW" dirty="0"/>
-              <a:t>(X, y, </a:t>
-            </a:r>
-            <a:r>
-              <a:rPr lang="en-US" altLang="zh-TW" dirty="0" err="1"/>
-              <a:t>test_size</a:t>
-            </a:r>
-            <a:r>
-              <a:rPr lang="en-US" altLang="zh-TW" dirty="0"/>
-              <a:t>=0.3) </a:t>
-            </a:r>
-          </a:p>
-          <a:p>
-            <a:r>
-              <a:rPr lang="en-US" altLang="zh-TW" dirty="0"/>
-              <a:t/>
-            </a:r>
-            <a:br>
-              <a:rPr lang="en-US" altLang="zh-TW" dirty="0"/>
-            </a:br>
-            <a:r>
-              <a:rPr lang="en-US" altLang="zh-TW" dirty="0" err="1"/>
-              <a:t>clf</a:t>
-            </a:r>
-            <a:r>
-              <a:rPr lang="en-US" altLang="zh-TW" dirty="0"/>
-              <a:t> = </a:t>
-            </a:r>
-            <a:r>
-              <a:rPr lang="en-US" altLang="zh-TW" dirty="0" err="1"/>
-              <a:t>svm.SVC</a:t>
-            </a:r>
-            <a:r>
-              <a:rPr lang="en-US" altLang="zh-TW" dirty="0"/>
-              <a:t>(C=1, kernel='linear', gamma='scale')</a:t>
-            </a:r>
-          </a:p>
-          <a:p>
-            <a:r>
-              <a:rPr lang="en-US" altLang="zh-TW" dirty="0" err="1"/>
-              <a:t>clf.fit</a:t>
-            </a:r>
-            <a:r>
-              <a:rPr lang="en-US" altLang="zh-TW" dirty="0"/>
-              <a:t>(</a:t>
-            </a:r>
-            <a:r>
-              <a:rPr lang="en-US" altLang="zh-TW" dirty="0" err="1"/>
-              <a:t>X_train</a:t>
-            </a:r>
-            <a:r>
-              <a:rPr lang="en-US" altLang="zh-TW" dirty="0"/>
-              <a:t>, </a:t>
-            </a:r>
-            <a:r>
-              <a:rPr lang="en-US" altLang="zh-TW" dirty="0" err="1"/>
-              <a:t>y_train</a:t>
-            </a:r>
-            <a:r>
-              <a:rPr lang="en-US" altLang="zh-TW" dirty="0"/>
-              <a:t>) # </a:t>
-            </a:r>
-            <a:r>
-              <a:rPr lang="zh-TW" altLang="en-US" dirty="0"/>
-              <a:t>將訓練集送入訓練</a:t>
-            </a:r>
-            <a:r>
-              <a:rPr lang="en-US" altLang="zh-TW" dirty="0"/>
-              <a:t>(fit)</a:t>
-            </a:r>
-          </a:p>
-          <a:p>
-            <a:endParaRPr lang="en-US" altLang="zh-TW" dirty="0"/>
-          </a:p>
-        </p:txBody>
-      </p:sp>
-      <p:sp>
-        <p:nvSpPr>
-          <p:cNvPr id="4" name="文字方塊 3"/>
-          <p:cNvSpPr txBox="1"/>
-          <p:nvPr/>
-        </p:nvSpPr>
-        <p:spPr>
-          <a:xfrm>
-            <a:off x="983226" y="5219164"/>
-            <a:ext cx="4839855" cy="1200329"/>
-          </a:xfrm>
-          <a:prstGeom prst="rect">
-            <a:avLst/>
-          </a:prstGeom>
-          <a:noFill/>
-        </p:spPr>
-        <p:txBody>
-          <a:bodyPr wrap="square" rtlCol="0">
-            <a:spAutoFit/>
-          </a:bodyPr>
-          <a:lstStyle/>
-          <a:p>
-            <a:r>
-              <a:rPr lang="en-US" altLang="zh-TW" dirty="0" smtClean="0"/>
-              <a:t>print</a:t>
-            </a:r>
-            <a:r>
-              <a:rPr lang="en-US" altLang="zh-TW" dirty="0"/>
-              <a:t>("Accuracy")</a:t>
-            </a:r>
-          </a:p>
-          <a:p>
-            <a:r>
-              <a:rPr lang="en-US" altLang="zh-TW" dirty="0"/>
-              <a:t>print(</a:t>
-            </a:r>
-            <a:r>
-              <a:rPr lang="en-US" altLang="zh-TW" dirty="0" err="1"/>
-              <a:t>clf.score</a:t>
-            </a:r>
-            <a:r>
-              <a:rPr lang="en-US" altLang="zh-TW" dirty="0"/>
-              <a:t>(</a:t>
-            </a:r>
-            <a:r>
-              <a:rPr lang="en-US" altLang="zh-TW" dirty="0" err="1"/>
-              <a:t>X_train</a:t>
-            </a:r>
-            <a:r>
-              <a:rPr lang="en-US" altLang="zh-TW" dirty="0"/>
-              <a:t>, </a:t>
-            </a:r>
-            <a:r>
-              <a:rPr lang="en-US" altLang="zh-TW" dirty="0" err="1"/>
-              <a:t>y_train</a:t>
-            </a:r>
-            <a:r>
-              <a:rPr lang="en-US" altLang="zh-TW" dirty="0"/>
-              <a:t>))</a:t>
-            </a:r>
-          </a:p>
-          <a:p>
-            <a:r>
-              <a:rPr lang="en-US" altLang="zh-TW" dirty="0"/>
-              <a:t>print(</a:t>
-            </a:r>
-            <a:r>
-              <a:rPr lang="en-US" altLang="zh-TW" dirty="0" err="1"/>
-              <a:t>clf.score</a:t>
-            </a:r>
-            <a:r>
-              <a:rPr lang="en-US" altLang="zh-TW" dirty="0"/>
-              <a:t>(</a:t>
-            </a:r>
-            <a:r>
-              <a:rPr lang="en-US" altLang="zh-TW" dirty="0" err="1"/>
-              <a:t>X_test</a:t>
-            </a:r>
-            <a:r>
-              <a:rPr lang="en-US" altLang="zh-TW" dirty="0"/>
-              <a:t>, </a:t>
-            </a:r>
-            <a:r>
-              <a:rPr lang="en-US" altLang="zh-TW" dirty="0" err="1"/>
-              <a:t>y_test</a:t>
-            </a:r>
-            <a:r>
-              <a:rPr lang="en-US" altLang="zh-TW" dirty="0"/>
-              <a:t>))</a:t>
-            </a:r>
           </a:p>
           <a:p>
             <a:endParaRPr lang="zh-TW" altLang="en-US" dirty="0"/>
@@ -5204,7 +4987,7 @@
     </p:spTree>
     <p:extLst>
       <p:ext uri="{BB962C8B-B14F-4D97-AF65-F5344CB8AC3E}">
-        <p14:creationId xmlns:p14="http://schemas.microsoft.com/office/powerpoint/2010/main" val="2949491647"/>
+        <p14:creationId xmlns:p14="http://schemas.microsoft.com/office/powerpoint/2010/main" val="1999191837"/>
       </p:ext>
     </p:extLst>
   </p:cSld>
@@ -5233,1337 +5016,166 @@
       </p:grpSpPr>
       <p:sp>
         <p:nvSpPr>
-          <p:cNvPr id="2" name="矩形 1"/>
-          <p:cNvSpPr/>
-          <p:nvPr/>
+          <p:cNvPr id="2" name="標題 1"/>
+          <p:cNvSpPr>
+            <a:spLocks noGrp="1"/>
+          </p:cNvSpPr>
+          <p:nvPr>
+            <p:ph type="title"/>
+          </p:nvPr>
+        </p:nvSpPr>
+        <p:spPr/>
+        <p:txBody>
+          <a:bodyPr>
+            <a:normAutofit/>
+          </a:bodyPr>
+          <a:lstStyle/>
+          <a:p>
+            <a:r>
+              <a:rPr lang="zh-TW" altLang="en-US" sz="4000" dirty="0">
+                <a:latin typeface="微軟正黑體" panose="020B0604030504040204" pitchFamily="34" charset="-120"/>
+                <a:ea typeface="微軟正黑體" panose="020B0604030504040204" pitchFamily="34" charset="-120"/>
+              </a:rPr>
+              <a:t>遇到的困難即解決方法</a:t>
+            </a:r>
+          </a:p>
+        </p:txBody>
+      </p:sp>
+      <p:sp>
+        <p:nvSpPr>
+          <p:cNvPr id="3" name="內容版面配置區 2"/>
+          <p:cNvSpPr>
+            <a:spLocks noGrp="1"/>
+          </p:cNvSpPr>
+          <p:nvPr>
+            <p:ph idx="1"/>
+          </p:nvPr>
         </p:nvSpPr>
         <p:spPr>
           <a:xfrm>
-            <a:off x="886692" y="602734"/>
-            <a:ext cx="6186309" cy="646331"/>
+            <a:off x="1242172" y="1953618"/>
+            <a:ext cx="9721836" cy="4023393"/>
           </a:xfrm>
-          <a:prstGeom prst="rect">
-            <a:avLst/>
-          </a:prstGeom>
         </p:spPr>
         <p:txBody>
-          <a:bodyPr wrap="none">
-            <a:spAutoFit/>
+          <a:bodyPr>
+            <a:normAutofit/>
           </a:bodyPr>
           <a:lstStyle/>
           <a:p>
-            <a:r>
-              <a:rPr lang="zh-TW" altLang="en-US" sz="3600" dirty="0">
-                <a:ea typeface="微軟正黑體" panose="020B0604030504040204" pitchFamily="34" charset="-120"/>
-              </a:rPr>
-              <a:t>測試過的變數</a:t>
-            </a:r>
-            <a:r>
-              <a:rPr lang="zh-TW" altLang="en-US" sz="3600" dirty="0">
-                <a:ea typeface="微軟正黑體" panose="020B0604030504040204" pitchFamily="34" charset="-120"/>
-              </a:rPr>
-              <a:t>組合及觀察結果</a:t>
-            </a:r>
-            <a:endParaRPr lang="zh-TW" altLang="en-US" sz="3600" dirty="0">
-              <a:ea typeface="微軟正黑體" panose="020B0604030504040204" pitchFamily="34" charset="-120"/>
-            </a:endParaRPr>
-          </a:p>
-        </p:txBody>
-      </p:sp>
-      <p:graphicFrame>
-        <p:nvGraphicFramePr>
-          <p:cNvPr id="3" name="表格 2"/>
-          <p:cNvGraphicFramePr>
-            <a:graphicFrameLocks noGrp="1"/>
-          </p:cNvGraphicFramePr>
-          <p:nvPr>
-            <p:extLst>
-              <p:ext uri="{D42A27DB-BD31-4B8C-83A1-F6EECF244321}">
-                <p14:modId xmlns:p14="http://schemas.microsoft.com/office/powerpoint/2010/main" val="3474981764"/>
-              </p:ext>
-            </p:extLst>
-          </p:nvPr>
-        </p:nvGraphicFramePr>
-        <p:xfrm>
-          <a:off x="886692" y="1422397"/>
-          <a:ext cx="10704944" cy="4141119"/>
-        </p:xfrm>
-        <a:graphic>
-          <a:graphicData uri="http://schemas.openxmlformats.org/drawingml/2006/table">
-            <a:tbl>
-              <a:tblPr firstRow="1" bandRow="1">
-                <a:tableStyleId>{5C22544A-7EE6-4342-B048-85BDC9FD1C3A}</a:tableStyleId>
-              </a:tblPr>
-              <a:tblGrid>
-                <a:gridCol w="1668421">
-                  <a:extLst>
-                    <a:ext uri="{9D8B030D-6E8A-4147-A177-3AD203B41FA5}">
-                      <a16:colId xmlns:a16="http://schemas.microsoft.com/office/drawing/2014/main" val="183811352"/>
-                    </a:ext>
-                  </a:extLst>
-                </a:gridCol>
-                <a:gridCol w="1415577">
-                  <a:extLst>
-                    <a:ext uri="{9D8B030D-6E8A-4147-A177-3AD203B41FA5}">
-                      <a16:colId xmlns:a16="http://schemas.microsoft.com/office/drawing/2014/main" val="3287907290"/>
-                    </a:ext>
-                  </a:extLst>
-                </a:gridCol>
-                <a:gridCol w="3843282">
-                  <a:extLst>
-                    <a:ext uri="{9D8B030D-6E8A-4147-A177-3AD203B41FA5}">
-                      <a16:colId xmlns:a16="http://schemas.microsoft.com/office/drawing/2014/main" val="2556857751"/>
-                    </a:ext>
-                  </a:extLst>
-                </a:gridCol>
-                <a:gridCol w="1865737">
-                  <a:extLst>
-                    <a:ext uri="{9D8B030D-6E8A-4147-A177-3AD203B41FA5}">
-                      <a16:colId xmlns:a16="http://schemas.microsoft.com/office/drawing/2014/main" val="148177576"/>
-                    </a:ext>
-                  </a:extLst>
-                </a:gridCol>
-                <a:gridCol w="1911927">
-                  <a:extLst>
-                    <a:ext uri="{9D8B030D-6E8A-4147-A177-3AD203B41FA5}">
-                      <a16:colId xmlns:a16="http://schemas.microsoft.com/office/drawing/2014/main" val="2963406726"/>
-                    </a:ext>
-                  </a:extLst>
-                </a:gridCol>
-              </a:tblGrid>
-              <a:tr h="654631">
-                <a:tc>
-                  <a:txBody>
-                    <a:bodyPr/>
-                    <a:lstStyle/>
-                    <a:p>
-                      <a:r>
-                        <a:rPr lang="en-US" altLang="zh-TW" dirty="0" smtClean="0"/>
-                        <a:t>data</a:t>
-                      </a:r>
-                      <a:endParaRPr lang="zh-TW" altLang="en-US" dirty="0"/>
-                    </a:p>
-                  </a:txBody>
-                  <a:tcPr/>
-                </a:tc>
-                <a:tc>
-                  <a:txBody>
-                    <a:bodyPr/>
-                    <a:lstStyle/>
-                    <a:p>
-                      <a:r>
-                        <a:rPr lang="en-US" altLang="zh-TW" dirty="0" err="1" smtClean="0"/>
-                        <a:t>Test_size</a:t>
-                      </a:r>
-                      <a:endParaRPr lang="zh-TW" altLang="en-US" dirty="0"/>
-                    </a:p>
-                  </a:txBody>
-                  <a:tcPr/>
-                </a:tc>
-                <a:tc>
-                  <a:txBody>
-                    <a:bodyPr/>
-                    <a:lstStyle/>
-                    <a:p>
-                      <a:r>
-                        <a:rPr lang="en-US" altLang="zh-TW" dirty="0" smtClean="0"/>
-                        <a:t>SVC</a:t>
-                      </a:r>
-                      <a:endParaRPr lang="zh-TW" altLang="en-US" dirty="0"/>
-                    </a:p>
-                  </a:txBody>
-                  <a:tcPr/>
-                </a:tc>
-                <a:tc>
-                  <a:txBody>
-                    <a:bodyPr/>
-                    <a:lstStyle/>
-                    <a:p>
-                      <a:pPr marL="0" marR="0" lvl="0" indent="0" algn="l" defTabSz="914400" rtl="0" eaLnBrk="1" fontAlgn="auto" latinLnBrk="0" hangingPunct="1">
-                        <a:lnSpc>
-                          <a:spcPct val="100000"/>
-                        </a:lnSpc>
-                        <a:spcBef>
-                          <a:spcPts val="0"/>
-                        </a:spcBef>
-                        <a:spcAft>
-                          <a:spcPts val="0"/>
-                        </a:spcAft>
-                        <a:buClrTx/>
-                        <a:buSzTx/>
-                        <a:buFontTx/>
-                        <a:buNone/>
-                        <a:tabLst/>
-                        <a:defRPr/>
-                      </a:pPr>
-                      <a:r>
-                        <a:rPr lang="en-US" altLang="zh-TW" dirty="0" err="1" smtClean="0"/>
-                        <a:t>Train_data</a:t>
-                      </a:r>
-                      <a:r>
-                        <a:rPr lang="en-US" altLang="zh-TW" dirty="0" smtClean="0"/>
-                        <a:t> accuracy</a:t>
-                      </a:r>
-                      <a:endParaRPr lang="zh-TW" altLang="en-US" dirty="0" smtClean="0"/>
-                    </a:p>
-                  </a:txBody>
-                  <a:tcPr/>
-                </a:tc>
-                <a:tc>
-                  <a:txBody>
-                    <a:bodyPr/>
-                    <a:lstStyle/>
-                    <a:p>
-                      <a:r>
-                        <a:rPr lang="en-US" altLang="zh-TW" dirty="0" err="1" smtClean="0"/>
-                        <a:t>Test_data</a:t>
-                      </a:r>
-                      <a:r>
-                        <a:rPr lang="en-US" altLang="zh-TW" dirty="0" smtClean="0"/>
-                        <a:t> accuracy</a:t>
-                      </a:r>
-                      <a:endParaRPr lang="zh-TW" altLang="en-US" dirty="0"/>
-                    </a:p>
-                  </a:txBody>
-                  <a:tcPr/>
-                </a:tc>
-                <a:extLst>
-                  <a:ext uri="{0D108BD9-81ED-4DB2-BD59-A6C34878D82A}">
-                    <a16:rowId xmlns:a16="http://schemas.microsoft.com/office/drawing/2014/main" val="1158119426"/>
-                  </a:ext>
-                </a:extLst>
-              </a:tr>
-              <a:tr h="435811">
-                <a:tc>
-                  <a:txBody>
-                    <a:bodyPr/>
-                    <a:lstStyle/>
-                    <a:p>
-                      <a:r>
-                        <a:rPr lang="en-US" altLang="zh-TW" dirty="0" smtClean="0"/>
-                        <a:t>All</a:t>
-                      </a:r>
-                      <a:endParaRPr lang="zh-TW" altLang="en-US" dirty="0"/>
-                    </a:p>
-                  </a:txBody>
-                  <a:tcPr/>
-                </a:tc>
-                <a:tc>
-                  <a:txBody>
-                    <a:bodyPr/>
-                    <a:lstStyle/>
-                    <a:p>
-                      <a:r>
-                        <a:rPr lang="en-US" altLang="zh-TW" dirty="0" smtClean="0"/>
-                        <a:t>0.3</a:t>
-                      </a:r>
-                      <a:endParaRPr lang="zh-TW" altLang="en-US" dirty="0"/>
-                    </a:p>
-                  </a:txBody>
-                  <a:tcPr/>
-                </a:tc>
-                <a:tc>
-                  <a:txBody>
-                    <a:bodyPr/>
-                    <a:lstStyle/>
-                    <a:p>
-                      <a:pPr marL="0" marR="0" lvl="0" indent="0" algn="l" defTabSz="914400" rtl="0" eaLnBrk="1" fontAlgn="auto" latinLnBrk="0" hangingPunct="1">
-                        <a:lnSpc>
-                          <a:spcPct val="100000"/>
-                        </a:lnSpc>
-                        <a:spcBef>
-                          <a:spcPts val="0"/>
-                        </a:spcBef>
-                        <a:spcAft>
-                          <a:spcPts val="0"/>
-                        </a:spcAft>
-                        <a:buClrTx/>
-                        <a:buSzTx/>
-                        <a:buFontTx/>
-                        <a:buNone/>
-                        <a:tabLst/>
-                        <a:defRPr/>
-                      </a:pPr>
-                      <a:r>
-                        <a:rPr lang="it-IT" altLang="zh-TW" sz="1800" b="0" kern="1200" dirty="0" smtClean="0">
-                          <a:solidFill>
-                            <a:schemeClr val="dk1"/>
-                          </a:solidFill>
-                          <a:effectLst/>
-                          <a:latin typeface="+mn-lt"/>
-                          <a:ea typeface="+mn-ea"/>
-                          <a:cs typeface="+mn-cs"/>
-                        </a:rPr>
-                        <a:t>C=1, kernel='linear', gamma='scale'</a:t>
-                      </a:r>
-                    </a:p>
-                  </a:txBody>
-                  <a:tcPr/>
-                </a:tc>
-                <a:tc>
-                  <a:txBody>
-                    <a:bodyPr/>
-                    <a:lstStyle/>
-                    <a:p>
-                      <a:r>
-                        <a:rPr lang="en-US" altLang="zh-TW" dirty="0" smtClean="0"/>
-                        <a:t>1.0</a:t>
-                      </a:r>
-                      <a:endParaRPr lang="zh-TW" altLang="en-US" dirty="0"/>
-                    </a:p>
-                  </a:txBody>
-                  <a:tcPr/>
-                </a:tc>
-                <a:tc>
-                  <a:txBody>
-                    <a:bodyPr/>
-                    <a:lstStyle/>
-                    <a:p>
-                      <a:r>
-                        <a:rPr lang="en-US" altLang="zh-TW" sz="1800" b="0" kern="1200" dirty="0" smtClean="0">
-                          <a:solidFill>
-                            <a:schemeClr val="dk1"/>
-                          </a:solidFill>
-                          <a:effectLst/>
-                          <a:latin typeface="+mn-lt"/>
-                          <a:ea typeface="+mn-ea"/>
-                          <a:cs typeface="+mn-cs"/>
-                        </a:rPr>
-                        <a:t>0.9629629629629</a:t>
-                      </a:r>
-                      <a:endParaRPr lang="zh-TW" altLang="en-US" sz="1800" b="0" kern="1200" dirty="0">
-                        <a:solidFill>
-                          <a:schemeClr val="dk1"/>
-                        </a:solidFill>
-                        <a:effectLst/>
-                        <a:latin typeface="+mn-lt"/>
-                        <a:ea typeface="+mn-ea"/>
-                        <a:cs typeface="+mn-cs"/>
-                      </a:endParaRPr>
-                    </a:p>
-                  </a:txBody>
-                  <a:tcPr/>
-                </a:tc>
-                <a:extLst>
-                  <a:ext uri="{0D108BD9-81ED-4DB2-BD59-A6C34878D82A}">
-                    <a16:rowId xmlns:a16="http://schemas.microsoft.com/office/drawing/2014/main" val="4117751483"/>
-                  </a:ext>
-                </a:extLst>
-              </a:tr>
-              <a:tr h="435811">
-                <a:tc>
-                  <a:txBody>
-                    <a:bodyPr/>
-                    <a:lstStyle/>
-                    <a:p>
-                      <a:r>
-                        <a:rPr lang="en-US" altLang="zh-TW" sz="1800" b="0" kern="1200" dirty="0" smtClean="0">
-                          <a:solidFill>
-                            <a:srgbClr val="7030A0"/>
-                          </a:solidFill>
-                          <a:effectLst/>
-                          <a:latin typeface="+mn-lt"/>
-                          <a:ea typeface="+mn-ea"/>
-                          <a:cs typeface="+mn-cs"/>
-                        </a:rPr>
-                        <a:t>data[:,0:5:2]</a:t>
-                      </a:r>
-                      <a:endParaRPr lang="en-US" altLang="zh-TW" sz="1800" b="0" kern="1200" dirty="0">
-                        <a:solidFill>
-                          <a:srgbClr val="7030A0"/>
-                        </a:solidFill>
-                        <a:effectLst/>
-                        <a:latin typeface="+mn-lt"/>
-                        <a:ea typeface="+mn-ea"/>
-                        <a:cs typeface="+mn-cs"/>
-                      </a:endParaRPr>
-                    </a:p>
-                  </a:txBody>
-                  <a:tcPr/>
-                </a:tc>
-                <a:tc>
-                  <a:txBody>
-                    <a:bodyPr/>
-                    <a:lstStyle/>
-                    <a:p>
-                      <a:r>
-                        <a:rPr lang="en-US" altLang="zh-TW" dirty="0" smtClean="0"/>
-                        <a:t>0.3</a:t>
-                      </a:r>
-                      <a:endParaRPr lang="zh-TW" altLang="en-US" dirty="0"/>
-                    </a:p>
-                  </a:txBody>
-                  <a:tcPr/>
-                </a:tc>
-                <a:tc>
-                  <a:txBody>
-                    <a:bodyPr/>
-                    <a:lstStyle/>
-                    <a:p>
-                      <a:pPr marL="0" marR="0" lvl="0" indent="0" algn="l" defTabSz="914400" rtl="0" eaLnBrk="1" fontAlgn="auto" latinLnBrk="0" hangingPunct="1">
-                        <a:lnSpc>
-                          <a:spcPct val="100000"/>
-                        </a:lnSpc>
-                        <a:spcBef>
-                          <a:spcPts val="0"/>
-                        </a:spcBef>
-                        <a:spcAft>
-                          <a:spcPts val="0"/>
-                        </a:spcAft>
-                        <a:buClrTx/>
-                        <a:buSzTx/>
-                        <a:buFontTx/>
-                        <a:buNone/>
-                        <a:tabLst/>
-                        <a:defRPr/>
-                      </a:pPr>
-                      <a:r>
-                        <a:rPr lang="it-IT" altLang="zh-TW" sz="1800" b="0" kern="1200" dirty="0" smtClean="0">
-                          <a:solidFill>
-                            <a:schemeClr val="dk1"/>
-                          </a:solidFill>
-                          <a:effectLst/>
-                          <a:latin typeface="+mn-lt"/>
-                          <a:ea typeface="+mn-ea"/>
-                          <a:cs typeface="+mn-cs"/>
-                        </a:rPr>
-                        <a:t>C=1, kernel='linear', gamma='scale'</a:t>
-                      </a:r>
-                    </a:p>
-                  </a:txBody>
-                  <a:tcPr/>
-                </a:tc>
-                <a:tc>
-                  <a:txBody>
-                    <a:bodyPr/>
-                    <a:lstStyle/>
-                    <a:p>
-                      <a:r>
-                        <a:rPr lang="en-US" altLang="zh-TW" dirty="0" smtClean="0"/>
-                        <a:t>0.7177419354838</a:t>
-                      </a:r>
-                      <a:endParaRPr lang="zh-TW" altLang="en-US" dirty="0"/>
-                    </a:p>
-                  </a:txBody>
-                  <a:tcPr/>
-                </a:tc>
-                <a:tc>
-                  <a:txBody>
-                    <a:bodyPr/>
-                    <a:lstStyle/>
-                    <a:p>
-                      <a:r>
-                        <a:rPr lang="en-US" altLang="zh-TW" dirty="0" smtClean="0"/>
-                        <a:t>0.6851851851851</a:t>
-                      </a:r>
-                      <a:endParaRPr lang="zh-TW" altLang="en-US" dirty="0"/>
-                    </a:p>
-                  </a:txBody>
-                  <a:tcPr/>
-                </a:tc>
-                <a:extLst>
-                  <a:ext uri="{0D108BD9-81ED-4DB2-BD59-A6C34878D82A}">
-                    <a16:rowId xmlns:a16="http://schemas.microsoft.com/office/drawing/2014/main" val="1557231469"/>
-                  </a:ext>
-                </a:extLst>
-              </a:tr>
-              <a:tr h="435811">
-                <a:tc>
-                  <a:txBody>
-                    <a:bodyPr/>
-                    <a:lstStyle/>
-                    <a:p>
-                      <a:r>
-                        <a:rPr lang="en-US" altLang="zh-TW" sz="1800" b="0" kern="1200" dirty="0" smtClean="0">
-                          <a:solidFill>
-                            <a:srgbClr val="7030A0"/>
-                          </a:solidFill>
-                          <a:effectLst/>
-                          <a:latin typeface="+mn-lt"/>
-                          <a:ea typeface="+mn-ea"/>
-                          <a:cs typeface="+mn-cs"/>
-                        </a:rPr>
-                        <a:t>data[:,0:13:2]</a:t>
-                      </a:r>
-                      <a:endParaRPr lang="en-US" altLang="zh-TW" sz="1800" b="0" kern="1200" dirty="0">
-                        <a:solidFill>
-                          <a:srgbClr val="7030A0"/>
-                        </a:solidFill>
-                        <a:effectLst/>
-                        <a:latin typeface="+mn-lt"/>
-                        <a:ea typeface="+mn-ea"/>
-                        <a:cs typeface="+mn-cs"/>
-                      </a:endParaRPr>
-                    </a:p>
-                  </a:txBody>
-                  <a:tcPr/>
-                </a:tc>
-                <a:tc>
-                  <a:txBody>
-                    <a:bodyPr/>
-                    <a:lstStyle/>
-                    <a:p>
-                      <a:r>
-                        <a:rPr lang="en-US" altLang="zh-TW" dirty="0" smtClean="0"/>
-                        <a:t>0.3</a:t>
-                      </a:r>
-                      <a:endParaRPr lang="zh-TW" altLang="en-US" dirty="0"/>
-                    </a:p>
-                  </a:txBody>
-                  <a:tcPr/>
-                </a:tc>
-                <a:tc>
-                  <a:txBody>
-                    <a:bodyPr/>
-                    <a:lstStyle/>
-                    <a:p>
-                      <a:pPr marL="0" marR="0" lvl="0" indent="0" algn="l" defTabSz="914400" rtl="0" eaLnBrk="1" fontAlgn="auto" latinLnBrk="0" hangingPunct="1">
-                        <a:lnSpc>
-                          <a:spcPct val="100000"/>
-                        </a:lnSpc>
-                        <a:spcBef>
-                          <a:spcPts val="0"/>
-                        </a:spcBef>
-                        <a:spcAft>
-                          <a:spcPts val="0"/>
-                        </a:spcAft>
-                        <a:buClrTx/>
-                        <a:buSzTx/>
-                        <a:buFontTx/>
-                        <a:buNone/>
-                        <a:tabLst/>
-                        <a:defRPr/>
-                      </a:pPr>
-                      <a:r>
-                        <a:rPr lang="it-IT" altLang="zh-TW" sz="1800" b="0" kern="1200" dirty="0" smtClean="0">
-                          <a:solidFill>
-                            <a:schemeClr val="dk1"/>
-                          </a:solidFill>
-                          <a:effectLst/>
-                          <a:latin typeface="+mn-lt"/>
-                          <a:ea typeface="+mn-ea"/>
-                          <a:cs typeface="+mn-cs"/>
-                        </a:rPr>
-                        <a:t>C=1, kernel='linear', gamma='scale'</a:t>
-                      </a:r>
-                      <a:endParaRPr lang="it-IT" altLang="zh-TW" sz="1800" b="0" kern="1200" dirty="0" smtClean="0">
-                        <a:solidFill>
-                          <a:schemeClr val="dk1"/>
-                        </a:solidFill>
-                        <a:effectLst/>
-                        <a:latin typeface="+mn-lt"/>
-                        <a:ea typeface="+mn-ea"/>
-                        <a:cs typeface="+mn-cs"/>
-                      </a:endParaRPr>
-                    </a:p>
-                  </a:txBody>
-                  <a:tcPr/>
-                </a:tc>
-                <a:tc>
-                  <a:txBody>
-                    <a:bodyPr/>
-                    <a:lstStyle/>
-                    <a:p>
-                      <a:r>
-                        <a:rPr lang="en-US" altLang="zh-TW" dirty="0" smtClean="0"/>
-                        <a:t>0.9677419354838</a:t>
-                      </a:r>
-                      <a:endParaRPr lang="zh-TW" altLang="en-US" dirty="0"/>
-                    </a:p>
-                  </a:txBody>
-                  <a:tcPr/>
-                </a:tc>
-                <a:tc>
-                  <a:txBody>
-                    <a:bodyPr/>
-                    <a:lstStyle/>
-                    <a:p>
-                      <a:r>
-                        <a:rPr lang="en-US" altLang="zh-TW" dirty="0" smtClean="0"/>
-                        <a:t>0.9814814814814</a:t>
-                      </a:r>
-                      <a:endParaRPr lang="zh-TW" altLang="en-US" dirty="0"/>
-                    </a:p>
-                  </a:txBody>
-                  <a:tcPr/>
-                </a:tc>
-                <a:extLst>
-                  <a:ext uri="{0D108BD9-81ED-4DB2-BD59-A6C34878D82A}">
-                    <a16:rowId xmlns:a16="http://schemas.microsoft.com/office/drawing/2014/main" val="2743681111"/>
-                  </a:ext>
-                </a:extLst>
-              </a:tr>
-              <a:tr h="435811">
-                <a:tc>
-                  <a:txBody>
-                    <a:bodyPr/>
-                    <a:lstStyle/>
-                    <a:p>
-                      <a:r>
-                        <a:rPr lang="en-US" altLang="zh-TW" dirty="0" smtClean="0"/>
-                        <a:t>All</a:t>
-                      </a:r>
-                      <a:endParaRPr lang="zh-TW" altLang="en-US" dirty="0"/>
-                    </a:p>
-                  </a:txBody>
-                  <a:tcPr/>
-                </a:tc>
-                <a:tc>
-                  <a:txBody>
-                    <a:bodyPr/>
-                    <a:lstStyle/>
-                    <a:p>
-                      <a:r>
-                        <a:rPr lang="en-US" altLang="zh-TW" dirty="0" smtClean="0">
-                          <a:solidFill>
-                            <a:srgbClr val="7030A0"/>
-                          </a:solidFill>
-                        </a:rPr>
-                        <a:t>0.5</a:t>
-                      </a:r>
-                      <a:endParaRPr lang="zh-TW" altLang="en-US" dirty="0">
-                        <a:solidFill>
-                          <a:srgbClr val="7030A0"/>
-                        </a:solidFill>
-                      </a:endParaRPr>
-                    </a:p>
-                  </a:txBody>
-                  <a:tcPr/>
-                </a:tc>
-                <a:tc>
-                  <a:txBody>
-                    <a:bodyPr/>
-                    <a:lstStyle/>
-                    <a:p>
-                      <a:pPr marL="0" marR="0" lvl="0" indent="0" algn="l" defTabSz="914400" rtl="0" eaLnBrk="1" fontAlgn="auto" latinLnBrk="0" hangingPunct="1">
-                        <a:lnSpc>
-                          <a:spcPct val="100000"/>
-                        </a:lnSpc>
-                        <a:spcBef>
-                          <a:spcPts val="0"/>
-                        </a:spcBef>
-                        <a:spcAft>
-                          <a:spcPts val="0"/>
-                        </a:spcAft>
-                        <a:buClrTx/>
-                        <a:buSzTx/>
-                        <a:buFontTx/>
-                        <a:buNone/>
-                        <a:tabLst/>
-                        <a:defRPr/>
-                      </a:pPr>
-                      <a:r>
-                        <a:rPr lang="it-IT" altLang="zh-TW" sz="1800" b="0" kern="1200" dirty="0" smtClean="0">
-                          <a:solidFill>
-                            <a:schemeClr val="dk1"/>
-                          </a:solidFill>
-                          <a:effectLst/>
-                          <a:latin typeface="+mn-lt"/>
-                          <a:ea typeface="+mn-ea"/>
-                          <a:cs typeface="+mn-cs"/>
-                        </a:rPr>
-                        <a:t>C=1, kernel='linear', gamma='scale'</a:t>
-                      </a:r>
-                    </a:p>
-                  </a:txBody>
-                  <a:tcPr/>
-                </a:tc>
-                <a:tc>
-                  <a:txBody>
-                    <a:bodyPr/>
-                    <a:lstStyle/>
-                    <a:p>
-                      <a:r>
-                        <a:rPr lang="en-US" altLang="zh-TW" dirty="0" smtClean="0"/>
-                        <a:t>1.0</a:t>
-                      </a:r>
-                      <a:endParaRPr lang="zh-TW" altLang="en-US" dirty="0"/>
-                    </a:p>
-                  </a:txBody>
-                  <a:tcPr/>
-                </a:tc>
-                <a:tc>
-                  <a:txBody>
-                    <a:bodyPr/>
-                    <a:lstStyle/>
-                    <a:p>
-                      <a:r>
-                        <a:rPr lang="en-US" altLang="zh-TW" dirty="0" smtClean="0"/>
-                        <a:t>0.9550561797752</a:t>
-                      </a:r>
-                      <a:endParaRPr lang="zh-TW" altLang="en-US" dirty="0"/>
-                    </a:p>
-                  </a:txBody>
-                  <a:tcPr/>
-                </a:tc>
-                <a:extLst>
-                  <a:ext uri="{0D108BD9-81ED-4DB2-BD59-A6C34878D82A}">
-                    <a16:rowId xmlns:a16="http://schemas.microsoft.com/office/drawing/2014/main" val="555416364"/>
-                  </a:ext>
-                </a:extLst>
-              </a:tr>
-              <a:tr h="435811">
-                <a:tc>
-                  <a:txBody>
-                    <a:bodyPr/>
-                    <a:lstStyle/>
-                    <a:p>
-                      <a:r>
-                        <a:rPr lang="en-US" altLang="zh-TW" dirty="0" smtClean="0"/>
-                        <a:t>All</a:t>
-                      </a:r>
-                      <a:endParaRPr lang="zh-TW" altLang="en-US" dirty="0"/>
-                    </a:p>
-                  </a:txBody>
-                  <a:tcPr/>
-                </a:tc>
-                <a:tc>
-                  <a:txBody>
-                    <a:bodyPr/>
-                    <a:lstStyle/>
-                    <a:p>
-                      <a:r>
-                        <a:rPr lang="en-US" altLang="zh-TW" dirty="0" smtClean="0"/>
-                        <a:t>0.3</a:t>
-                      </a:r>
-                      <a:endParaRPr lang="zh-TW" altLang="en-US" dirty="0"/>
-                    </a:p>
-                  </a:txBody>
-                  <a:tcPr/>
-                </a:tc>
-                <a:tc>
-                  <a:txBody>
-                    <a:bodyPr/>
-                    <a:lstStyle/>
-                    <a:p>
-                      <a:pPr marL="0" marR="0" lvl="0" indent="0" algn="l" defTabSz="914400" rtl="0" eaLnBrk="1" fontAlgn="auto" latinLnBrk="0" hangingPunct="1">
-                        <a:lnSpc>
-                          <a:spcPct val="100000"/>
-                        </a:lnSpc>
-                        <a:spcBef>
-                          <a:spcPts val="0"/>
-                        </a:spcBef>
-                        <a:spcAft>
-                          <a:spcPts val="0"/>
-                        </a:spcAft>
-                        <a:buClrTx/>
-                        <a:buSzTx/>
-                        <a:buFontTx/>
-                        <a:buNone/>
-                        <a:tabLst/>
-                        <a:defRPr/>
-                      </a:pPr>
-                      <a:r>
-                        <a:rPr lang="it-IT" altLang="zh-TW" sz="1800" b="0" kern="1200" dirty="0" smtClean="0">
-                          <a:solidFill>
-                            <a:srgbClr val="7030A0"/>
-                          </a:solidFill>
-                          <a:effectLst/>
-                          <a:latin typeface="+mn-lt"/>
-                          <a:ea typeface="+mn-ea"/>
-                          <a:cs typeface="+mn-cs"/>
-                        </a:rPr>
-                        <a:t>C=5</a:t>
-                      </a:r>
-                      <a:r>
-                        <a:rPr lang="it-IT" altLang="zh-TW" sz="1800" b="0" kern="1200" dirty="0" smtClean="0">
-                          <a:solidFill>
-                            <a:schemeClr val="dk1"/>
-                          </a:solidFill>
-                          <a:effectLst/>
-                          <a:latin typeface="+mn-lt"/>
-                          <a:ea typeface="+mn-ea"/>
-                          <a:cs typeface="+mn-cs"/>
-                        </a:rPr>
-                        <a:t>,</a:t>
-                      </a:r>
-                      <a:r>
-                        <a:rPr lang="it-IT" altLang="zh-TW" sz="1800" b="0" kern="1200" dirty="0" smtClean="0">
-                          <a:solidFill>
-                            <a:schemeClr val="dk1"/>
-                          </a:solidFill>
-                          <a:effectLst/>
-                          <a:latin typeface="+mn-lt"/>
-                          <a:ea typeface="+mn-ea"/>
-                          <a:cs typeface="+mn-cs"/>
-                        </a:rPr>
-                        <a:t> kernel='linear', gamma='scale'</a:t>
-                      </a:r>
-                    </a:p>
-                  </a:txBody>
-                  <a:tcPr/>
-                </a:tc>
-                <a:tc>
-                  <a:txBody>
-                    <a:bodyPr/>
-                    <a:lstStyle/>
-                    <a:p>
-                      <a:r>
-                        <a:rPr lang="en-US" altLang="zh-TW" dirty="0" smtClean="0"/>
-                        <a:t>1.0</a:t>
-                      </a:r>
-                      <a:endParaRPr lang="zh-TW" altLang="en-US" dirty="0"/>
-                    </a:p>
-                  </a:txBody>
-                  <a:tcPr/>
-                </a:tc>
-                <a:tc>
-                  <a:txBody>
-                    <a:bodyPr/>
-                    <a:lstStyle/>
-                    <a:p>
-                      <a:r>
-                        <a:rPr lang="en-US" altLang="zh-TW" sz="1800" b="0" kern="1200" dirty="0" smtClean="0">
-                          <a:solidFill>
-                            <a:schemeClr val="dk1"/>
-                          </a:solidFill>
-                          <a:effectLst/>
-                          <a:latin typeface="+mn-lt"/>
-                          <a:ea typeface="+mn-ea"/>
-                          <a:cs typeface="+mn-cs"/>
-                        </a:rPr>
-                        <a:t>0.9444444444444</a:t>
-                      </a:r>
-                      <a:endParaRPr lang="zh-TW" altLang="en-US" sz="1800" b="0" kern="1200" dirty="0">
-                        <a:solidFill>
-                          <a:schemeClr val="dk1"/>
-                        </a:solidFill>
-                        <a:effectLst/>
-                        <a:latin typeface="+mn-lt"/>
-                        <a:ea typeface="+mn-ea"/>
-                        <a:cs typeface="+mn-cs"/>
-                      </a:endParaRPr>
-                    </a:p>
-                  </a:txBody>
-                  <a:tcPr/>
-                </a:tc>
-                <a:extLst>
-                  <a:ext uri="{0D108BD9-81ED-4DB2-BD59-A6C34878D82A}">
-                    <a16:rowId xmlns:a16="http://schemas.microsoft.com/office/drawing/2014/main" val="426763026"/>
-                  </a:ext>
-                </a:extLst>
-              </a:tr>
-              <a:tr h="435811">
-                <a:tc>
-                  <a:txBody>
-                    <a:bodyPr/>
-                    <a:lstStyle/>
-                    <a:p>
-                      <a:r>
-                        <a:rPr lang="en-US" altLang="zh-TW" dirty="0" smtClean="0"/>
-                        <a:t>All</a:t>
-                      </a:r>
-                      <a:endParaRPr lang="zh-TW" altLang="en-US" dirty="0"/>
-                    </a:p>
-                  </a:txBody>
-                  <a:tcPr/>
-                </a:tc>
-                <a:tc>
-                  <a:txBody>
-                    <a:bodyPr/>
-                    <a:lstStyle/>
-                    <a:p>
-                      <a:r>
-                        <a:rPr lang="en-US" altLang="zh-TW" dirty="0" smtClean="0"/>
-                        <a:t>0.3</a:t>
-                      </a:r>
-                      <a:endParaRPr lang="zh-TW" altLang="en-US" dirty="0"/>
-                    </a:p>
-                  </a:txBody>
-                  <a:tcPr/>
-                </a:tc>
-                <a:tc>
-                  <a:txBody>
-                    <a:bodyPr/>
-                    <a:lstStyle/>
-                    <a:p>
-                      <a:pPr marL="0" marR="0" lvl="0" indent="0" algn="l" defTabSz="914400" rtl="0" eaLnBrk="1" fontAlgn="auto" latinLnBrk="0" hangingPunct="1">
-                        <a:lnSpc>
-                          <a:spcPct val="100000"/>
-                        </a:lnSpc>
-                        <a:spcBef>
-                          <a:spcPts val="0"/>
-                        </a:spcBef>
-                        <a:spcAft>
-                          <a:spcPts val="0"/>
-                        </a:spcAft>
-                        <a:buClrTx/>
-                        <a:buSzTx/>
-                        <a:buFontTx/>
-                        <a:buNone/>
-                        <a:tabLst/>
-                        <a:defRPr/>
-                      </a:pPr>
-                      <a:r>
-                        <a:rPr lang="it-IT" altLang="zh-TW" sz="1800" b="0" kern="1200" dirty="0" smtClean="0">
-                          <a:solidFill>
-                            <a:schemeClr val="tx1"/>
-                          </a:solidFill>
-                          <a:effectLst/>
-                          <a:latin typeface="+mn-lt"/>
-                          <a:ea typeface="+mn-ea"/>
-                          <a:cs typeface="+mn-cs"/>
-                        </a:rPr>
-                        <a:t>C=5</a:t>
-                      </a:r>
-                      <a:r>
-                        <a:rPr lang="it-IT" altLang="zh-TW" sz="1800" b="0" kern="1200" dirty="0" smtClean="0">
-                          <a:solidFill>
-                            <a:schemeClr val="dk1"/>
-                          </a:solidFill>
-                          <a:effectLst/>
-                          <a:latin typeface="+mn-lt"/>
-                          <a:ea typeface="+mn-ea"/>
-                          <a:cs typeface="+mn-cs"/>
-                        </a:rPr>
-                        <a:t>, </a:t>
-                      </a:r>
-                      <a:r>
-                        <a:rPr lang="it-IT" altLang="zh-TW" sz="1800" b="0" kern="1200" dirty="0" smtClean="0">
-                          <a:solidFill>
-                            <a:srgbClr val="7030A0"/>
-                          </a:solidFill>
-                          <a:effectLst/>
-                          <a:latin typeface="+mn-lt"/>
-                          <a:ea typeface="+mn-ea"/>
-                          <a:cs typeface="+mn-cs"/>
-                        </a:rPr>
-                        <a:t>kernel</a:t>
-                      </a:r>
-                      <a:r>
-                        <a:rPr lang="it-IT" altLang="zh-TW" sz="1800" b="0" kern="1200" dirty="0" smtClean="0">
-                          <a:solidFill>
-                            <a:srgbClr val="7030A0"/>
-                          </a:solidFill>
-                          <a:effectLst/>
-                          <a:latin typeface="+mn-lt"/>
-                          <a:ea typeface="+mn-ea"/>
-                          <a:cs typeface="+mn-cs"/>
-                        </a:rPr>
-                        <a:t>=‘rbf'</a:t>
-                      </a:r>
-                      <a:r>
-                        <a:rPr lang="it-IT" altLang="zh-TW" sz="1800" b="0" kern="1200" dirty="0" smtClean="0">
-                          <a:solidFill>
-                            <a:schemeClr val="dk1"/>
-                          </a:solidFill>
-                          <a:effectLst/>
-                          <a:latin typeface="+mn-lt"/>
-                          <a:ea typeface="+mn-ea"/>
-                          <a:cs typeface="+mn-cs"/>
-                        </a:rPr>
-                        <a:t>,</a:t>
-                      </a:r>
-                      <a:r>
-                        <a:rPr lang="it-IT" altLang="zh-TW" sz="1800" b="0" kern="1200" dirty="0" smtClean="0">
-                          <a:solidFill>
-                            <a:schemeClr val="dk1"/>
-                          </a:solidFill>
-                          <a:effectLst/>
-                          <a:latin typeface="+mn-lt"/>
-                          <a:ea typeface="+mn-ea"/>
-                          <a:cs typeface="+mn-cs"/>
-                        </a:rPr>
-                        <a:t> gamma='scale'</a:t>
-                      </a:r>
-                    </a:p>
-                  </a:txBody>
-                  <a:tcPr/>
-                </a:tc>
-                <a:tc>
-                  <a:txBody>
-                    <a:bodyPr/>
-                    <a:lstStyle/>
-                    <a:p>
-                      <a:r>
-                        <a:rPr lang="en-US" altLang="zh-TW" dirty="0" smtClean="0"/>
-                        <a:t>0.7419354838709</a:t>
-                      </a:r>
-                      <a:endParaRPr lang="zh-TW" altLang="en-US" dirty="0"/>
-                    </a:p>
-                  </a:txBody>
-                  <a:tcPr/>
-                </a:tc>
-                <a:tc>
-                  <a:txBody>
-                    <a:bodyPr/>
-                    <a:lstStyle/>
-                    <a:p>
-                      <a:r>
-                        <a:rPr lang="en-US" altLang="zh-TW" dirty="0" smtClean="0"/>
-                        <a:t>0.6851851851851</a:t>
-                      </a:r>
-                      <a:endParaRPr lang="zh-TW" altLang="en-US" dirty="0"/>
-                    </a:p>
-                  </a:txBody>
-                  <a:tcPr/>
-                </a:tc>
-                <a:extLst>
-                  <a:ext uri="{0D108BD9-81ED-4DB2-BD59-A6C34878D82A}">
-                    <a16:rowId xmlns:a16="http://schemas.microsoft.com/office/drawing/2014/main" val="1342341179"/>
-                  </a:ext>
-                </a:extLst>
-              </a:tr>
-              <a:tr h="435811">
-                <a:tc>
-                  <a:txBody>
-                    <a:bodyPr/>
-                    <a:lstStyle/>
-                    <a:p>
-                      <a:r>
-                        <a:rPr lang="en-US" altLang="zh-TW" dirty="0" smtClean="0"/>
-                        <a:t>All</a:t>
-                      </a:r>
-                      <a:endParaRPr lang="zh-TW" altLang="en-US" dirty="0"/>
-                    </a:p>
-                  </a:txBody>
-                  <a:tcPr/>
-                </a:tc>
-                <a:tc>
-                  <a:txBody>
-                    <a:bodyPr/>
-                    <a:lstStyle/>
-                    <a:p>
-                      <a:r>
-                        <a:rPr lang="en-US" altLang="zh-TW" dirty="0" smtClean="0"/>
-                        <a:t>0.3</a:t>
-                      </a:r>
-                      <a:endParaRPr lang="zh-TW" altLang="en-US" dirty="0"/>
-                    </a:p>
-                  </a:txBody>
-                  <a:tcPr/>
-                </a:tc>
-                <a:tc>
-                  <a:txBody>
-                    <a:bodyPr/>
-                    <a:lstStyle/>
-                    <a:p>
-                      <a:pPr marL="0" marR="0" lvl="0" indent="0" algn="l" defTabSz="914400" rtl="0" eaLnBrk="1" fontAlgn="auto" latinLnBrk="0" hangingPunct="1">
-                        <a:lnSpc>
-                          <a:spcPct val="100000"/>
-                        </a:lnSpc>
-                        <a:spcBef>
-                          <a:spcPts val="0"/>
-                        </a:spcBef>
-                        <a:spcAft>
-                          <a:spcPts val="0"/>
-                        </a:spcAft>
-                        <a:buClrTx/>
-                        <a:buSzTx/>
-                        <a:buFontTx/>
-                        <a:buNone/>
-                        <a:tabLst/>
-                        <a:defRPr/>
-                      </a:pPr>
-                      <a:r>
-                        <a:rPr lang="it-IT" altLang="zh-TW" sz="1800" b="0" kern="1200" dirty="0" smtClean="0">
-                          <a:solidFill>
-                            <a:schemeClr val="tx1"/>
-                          </a:solidFill>
-                          <a:effectLst/>
-                          <a:latin typeface="+mn-lt"/>
-                          <a:ea typeface="+mn-ea"/>
-                          <a:cs typeface="+mn-cs"/>
-                        </a:rPr>
-                        <a:t>C=5</a:t>
-                      </a:r>
-                      <a:r>
-                        <a:rPr lang="it-IT" altLang="zh-TW" sz="1800" b="0" kern="1200" dirty="0" smtClean="0">
-                          <a:solidFill>
-                            <a:schemeClr val="dk1"/>
-                          </a:solidFill>
-                          <a:effectLst/>
-                          <a:latin typeface="+mn-lt"/>
-                          <a:ea typeface="+mn-ea"/>
-                          <a:cs typeface="+mn-cs"/>
-                        </a:rPr>
-                        <a:t>, </a:t>
-                      </a:r>
-                      <a:r>
-                        <a:rPr lang="it-IT" altLang="zh-TW" sz="1800" b="0" kern="1200" dirty="0" smtClean="0">
-                          <a:solidFill>
-                            <a:srgbClr val="7030A0"/>
-                          </a:solidFill>
-                          <a:effectLst/>
-                          <a:latin typeface="+mn-lt"/>
-                          <a:ea typeface="+mn-ea"/>
-                          <a:cs typeface="+mn-cs"/>
-                        </a:rPr>
-                        <a:t>kernel</a:t>
-                      </a:r>
-                      <a:r>
-                        <a:rPr lang="it-IT" altLang="zh-TW" sz="1800" b="0" kern="1200" dirty="0" smtClean="0">
-                          <a:solidFill>
-                            <a:srgbClr val="7030A0"/>
-                          </a:solidFill>
-                          <a:effectLst/>
-                          <a:latin typeface="+mn-lt"/>
-                          <a:ea typeface="+mn-ea"/>
-                          <a:cs typeface="+mn-cs"/>
-                        </a:rPr>
-                        <a:t>=‘poly'</a:t>
-                      </a:r>
-                      <a:r>
-                        <a:rPr lang="it-IT" altLang="zh-TW" sz="1800" b="0" kern="1200" dirty="0" smtClean="0">
-                          <a:solidFill>
-                            <a:schemeClr val="dk1"/>
-                          </a:solidFill>
-                          <a:effectLst/>
-                          <a:latin typeface="+mn-lt"/>
-                          <a:ea typeface="+mn-ea"/>
-                          <a:cs typeface="+mn-cs"/>
-                        </a:rPr>
-                        <a:t>,</a:t>
-                      </a:r>
-                      <a:r>
-                        <a:rPr lang="it-IT" altLang="zh-TW" sz="1800" b="0" kern="1200" dirty="0" smtClean="0">
-                          <a:solidFill>
-                            <a:schemeClr val="dk1"/>
-                          </a:solidFill>
-                          <a:effectLst/>
-                          <a:latin typeface="+mn-lt"/>
-                          <a:ea typeface="+mn-ea"/>
-                          <a:cs typeface="+mn-cs"/>
-                        </a:rPr>
-                        <a:t> gamma='scale'</a:t>
-                      </a:r>
-                    </a:p>
-                  </a:txBody>
-                  <a:tcPr/>
-                </a:tc>
-                <a:tc>
-                  <a:txBody>
-                    <a:bodyPr/>
-                    <a:lstStyle/>
-                    <a:p>
-                      <a:r>
-                        <a:rPr lang="en-US" altLang="zh-TW" dirty="0" smtClean="0"/>
-                        <a:t>0.6854838709677</a:t>
-                      </a:r>
-                      <a:endParaRPr lang="zh-TW" altLang="en-US" dirty="0"/>
-                    </a:p>
-                  </a:txBody>
-                  <a:tcPr/>
-                </a:tc>
-                <a:tc>
-                  <a:txBody>
-                    <a:bodyPr/>
-                    <a:lstStyle/>
-                    <a:p>
-                      <a:r>
-                        <a:rPr lang="en-US" altLang="zh-TW" dirty="0" smtClean="0"/>
-                        <a:t>0.7222222222222</a:t>
-                      </a:r>
-                      <a:endParaRPr lang="zh-TW" altLang="en-US" dirty="0"/>
-                    </a:p>
-                  </a:txBody>
-                  <a:tcPr/>
-                </a:tc>
-                <a:extLst>
-                  <a:ext uri="{0D108BD9-81ED-4DB2-BD59-A6C34878D82A}">
-                    <a16:rowId xmlns:a16="http://schemas.microsoft.com/office/drawing/2014/main" val="1153476061"/>
-                  </a:ext>
-                </a:extLst>
-              </a:tr>
-              <a:tr h="435811">
-                <a:tc>
-                  <a:txBody>
-                    <a:bodyPr/>
-                    <a:lstStyle/>
-                    <a:p>
-                      <a:r>
-                        <a:rPr lang="en-US" altLang="zh-TW" dirty="0" smtClean="0"/>
-                        <a:t>All</a:t>
-                      </a:r>
-                      <a:endParaRPr lang="zh-TW" altLang="en-US" dirty="0"/>
-                    </a:p>
-                  </a:txBody>
-                  <a:tcPr/>
-                </a:tc>
-                <a:tc>
-                  <a:txBody>
-                    <a:bodyPr/>
-                    <a:lstStyle/>
-                    <a:p>
-                      <a:r>
-                        <a:rPr lang="en-US" altLang="zh-TW" dirty="0" smtClean="0"/>
-                        <a:t>0.3</a:t>
-                      </a:r>
-                      <a:endParaRPr lang="zh-TW" altLang="en-US" dirty="0"/>
-                    </a:p>
-                  </a:txBody>
-                  <a:tcPr/>
-                </a:tc>
-                <a:tc>
-                  <a:txBody>
-                    <a:bodyPr/>
-                    <a:lstStyle/>
-                    <a:p>
-                      <a:pPr marL="0" marR="0" lvl="0" indent="0" algn="l" defTabSz="914400" rtl="0" eaLnBrk="1" fontAlgn="auto" latinLnBrk="0" hangingPunct="1">
-                        <a:lnSpc>
-                          <a:spcPct val="100000"/>
-                        </a:lnSpc>
-                        <a:spcBef>
-                          <a:spcPts val="0"/>
-                        </a:spcBef>
-                        <a:spcAft>
-                          <a:spcPts val="0"/>
-                        </a:spcAft>
-                        <a:buClrTx/>
-                        <a:buSzTx/>
-                        <a:buFontTx/>
-                        <a:buNone/>
-                        <a:tabLst/>
-                        <a:defRPr/>
-                      </a:pPr>
-                      <a:r>
-                        <a:rPr lang="it-IT" altLang="zh-TW" sz="1800" b="0" kern="1200" dirty="0" smtClean="0">
-                          <a:solidFill>
-                            <a:schemeClr val="dk1"/>
-                          </a:solidFill>
-                          <a:effectLst/>
-                          <a:latin typeface="+mn-lt"/>
-                          <a:ea typeface="+mn-ea"/>
-                          <a:cs typeface="+mn-cs"/>
-                        </a:rPr>
-                        <a:t>C=1, kernel='linear', </a:t>
-                      </a:r>
-                      <a:r>
-                        <a:rPr lang="it-IT" altLang="zh-TW" sz="1800" b="0" kern="1200" dirty="0" smtClean="0">
-                          <a:solidFill>
-                            <a:srgbClr val="7030A0"/>
-                          </a:solidFill>
-                          <a:effectLst/>
-                          <a:latin typeface="+mn-lt"/>
-                          <a:ea typeface="+mn-ea"/>
-                          <a:cs typeface="+mn-cs"/>
-                        </a:rPr>
-                        <a:t>gamma</a:t>
-                      </a:r>
-                      <a:r>
-                        <a:rPr lang="it-IT" altLang="zh-TW" sz="1800" b="0" kern="1200" dirty="0" smtClean="0">
-                          <a:solidFill>
-                            <a:srgbClr val="7030A0"/>
-                          </a:solidFill>
-                          <a:effectLst/>
-                          <a:latin typeface="+mn-lt"/>
-                          <a:ea typeface="+mn-ea"/>
-                          <a:cs typeface="+mn-cs"/>
-                        </a:rPr>
-                        <a:t>=‘auto'</a:t>
-                      </a:r>
-                      <a:endParaRPr lang="it-IT" altLang="zh-TW" sz="1800" b="0" kern="1200" dirty="0" smtClean="0">
-                        <a:solidFill>
-                          <a:srgbClr val="7030A0"/>
-                        </a:solidFill>
-                        <a:effectLst/>
-                        <a:latin typeface="+mn-lt"/>
-                        <a:ea typeface="+mn-ea"/>
-                        <a:cs typeface="+mn-cs"/>
-                      </a:endParaRPr>
-                    </a:p>
-                  </a:txBody>
-                  <a:tcPr/>
-                </a:tc>
-                <a:tc>
-                  <a:txBody>
-                    <a:bodyPr/>
-                    <a:lstStyle/>
-                    <a:p>
-                      <a:r>
-                        <a:rPr lang="en-US" altLang="zh-TW" dirty="0" smtClean="0"/>
-                        <a:t>0.9919354838709</a:t>
-                      </a:r>
-                      <a:endParaRPr lang="zh-TW" altLang="en-US" dirty="0"/>
-                    </a:p>
-                  </a:txBody>
-                  <a:tcPr/>
-                </a:tc>
-                <a:tc>
-                  <a:txBody>
-                    <a:bodyPr/>
-                    <a:lstStyle/>
-                    <a:p>
-                      <a:r>
-                        <a:rPr lang="en-US" altLang="zh-TW" dirty="0" smtClean="0"/>
-                        <a:t>0.9444444444444</a:t>
-                      </a:r>
-                      <a:endParaRPr lang="zh-TW" altLang="en-US" dirty="0"/>
-                    </a:p>
-                  </a:txBody>
-                  <a:tcPr/>
-                </a:tc>
-                <a:extLst>
-                  <a:ext uri="{0D108BD9-81ED-4DB2-BD59-A6C34878D82A}">
-                    <a16:rowId xmlns:a16="http://schemas.microsoft.com/office/drawing/2014/main" val="4065345278"/>
-                  </a:ext>
-                </a:extLst>
-              </a:tr>
-            </a:tbl>
-          </a:graphicData>
-        </a:graphic>
-      </p:graphicFrame>
-      <p:sp>
-        <p:nvSpPr>
-          <p:cNvPr id="4" name="文字方塊 3"/>
-          <p:cNvSpPr txBox="1"/>
-          <p:nvPr/>
-        </p:nvSpPr>
-        <p:spPr>
-          <a:xfrm>
-            <a:off x="794331" y="5736848"/>
-            <a:ext cx="10972799" cy="369332"/>
-          </a:xfrm>
-          <a:prstGeom prst="rect">
-            <a:avLst/>
-          </a:prstGeom>
-          <a:noFill/>
-        </p:spPr>
-        <p:txBody>
-          <a:bodyPr wrap="square" rtlCol="0">
-            <a:spAutoFit/>
-          </a:bodyPr>
-          <a:lstStyle/>
-          <a:p>
-            <a:r>
-              <a:rPr lang="zh-TW" altLang="en-US" dirty="0">
-                <a:latin typeface="微軟正黑體" panose="020B0604030504040204" pitchFamily="34" charset="-120"/>
-                <a:ea typeface="微軟正黑體" panose="020B0604030504040204" pitchFamily="34" charset="-120"/>
-              </a:rPr>
-              <a:t>挑選特徵</a:t>
-            </a:r>
+            <a:pPr marL="0" indent="0">
+              <a:lnSpc>
+                <a:spcPct val="150000"/>
+              </a:lnSpc>
+              <a:buNone/>
+            </a:pPr>
             <a:r>
               <a:rPr lang="zh-TW" altLang="en-US" dirty="0" smtClean="0">
                 <a:latin typeface="微軟正黑體" panose="020B0604030504040204" pitchFamily="34" charset="-120"/>
                 <a:ea typeface="微軟正黑體" panose="020B0604030504040204" pitchFamily="34" charset="-120"/>
               </a:rPr>
-              <a:t>時，因為特徵都是專業的差異，在沒有專業知識下，我們隨機選擇不同數量</a:t>
+              <a:t>因為是第一次使用自己準備的大量資料集，所以剛開始並不知道要怎麼將大量的圖片讀入程式中，但經過摸索後發現原理其實和以前的</a:t>
             </a:r>
             <a:r>
               <a:rPr lang="en-US" altLang="zh-TW" dirty="0" smtClean="0">
                 <a:latin typeface="微軟正黑體" panose="020B0604030504040204" pitchFamily="34" charset="-120"/>
                 <a:ea typeface="微軟正黑體" panose="020B0604030504040204" pitchFamily="34" charset="-120"/>
               </a:rPr>
-              <a:t>(13, 3, 7)</a:t>
+              <a:t>cv2.imread</a:t>
             </a:r>
             <a:r>
               <a:rPr lang="zh-TW" altLang="en-US" dirty="0" smtClean="0">
                 <a:latin typeface="微軟正黑體" panose="020B0604030504040204" pitchFamily="34" charset="-120"/>
                 <a:ea typeface="微軟正黑體" panose="020B0604030504040204" pitchFamily="34" charset="-120"/>
               </a:rPr>
-              <a:t>的特徵做比較</a:t>
-            </a:r>
-            <a:endParaRPr lang="zh-TW" altLang="en-US" dirty="0">
+              <a:t>相同，只要資料集的圖片名稱有規律，我們就能搭配</a:t>
+            </a:r>
+            <a:r>
+              <a:rPr lang="en-US" altLang="zh-TW" dirty="0" smtClean="0">
+                <a:latin typeface="微軟正黑體" panose="020B0604030504040204" pitchFamily="34" charset="-120"/>
+                <a:ea typeface="微軟正黑體" panose="020B0604030504040204" pitchFamily="34" charset="-120"/>
+              </a:rPr>
+              <a:t>for</a:t>
+            </a:r>
+            <a:r>
+              <a:rPr lang="zh-TW" altLang="en-US" dirty="0" smtClean="0">
+                <a:latin typeface="微軟正黑體" panose="020B0604030504040204" pitchFamily="34" charset="-120"/>
+                <a:ea typeface="微軟正黑體" panose="020B0604030504040204" pitchFamily="34" charset="-120"/>
+              </a:rPr>
+              <a:t>迴圈非常容易的讀入</a:t>
+            </a:r>
+            <a:r>
+              <a:rPr lang="zh-TW" altLang="en-US" dirty="0" smtClean="0">
+                <a:latin typeface="微軟正黑體" panose="020B0604030504040204" pitchFamily="34" charset="-120"/>
+                <a:ea typeface="微軟正黑體" panose="020B0604030504040204" pitchFamily="34" charset="-120"/>
+              </a:rPr>
+              <a:t>資料。另外，</a:t>
+            </a:r>
+            <a:r>
+              <a:rPr lang="zh-TW" altLang="en-US" dirty="0" smtClean="0">
+                <a:latin typeface="微軟正黑體" panose="020B0604030504040204" pitchFamily="34" charset="-120"/>
+                <a:ea typeface="微軟正黑體" panose="020B0604030504040204" pitchFamily="34" charset="-120"/>
+              </a:rPr>
+              <a:t>在經過上次的實驗所理解的</a:t>
+            </a:r>
+            <a:r>
+              <a:rPr lang="en-US" altLang="zh-TW" dirty="0" smtClean="0">
+                <a:latin typeface="微軟正黑體" panose="020B0604030504040204" pitchFamily="34" charset="-120"/>
+                <a:ea typeface="微軟正黑體" panose="020B0604030504040204" pitchFamily="34" charset="-120"/>
+              </a:rPr>
+              <a:t>list</a:t>
+            </a:r>
+            <a:r>
+              <a:rPr lang="zh-TW" altLang="en-US" dirty="0" smtClean="0">
+                <a:latin typeface="微軟正黑體" panose="020B0604030504040204" pitchFamily="34" charset="-120"/>
+                <a:ea typeface="微軟正黑體" panose="020B0604030504040204" pitchFamily="34" charset="-120"/>
+              </a:rPr>
+              <a:t>和</a:t>
+            </a:r>
+            <a:r>
+              <a:rPr lang="en-US" altLang="zh-TW" dirty="0" smtClean="0">
+                <a:latin typeface="微軟正黑體" panose="020B0604030504040204" pitchFamily="34" charset="-120"/>
+                <a:ea typeface="微軟正黑體" panose="020B0604030504040204" pitchFamily="34" charset="-120"/>
+              </a:rPr>
+              <a:t>array</a:t>
+            </a:r>
+            <a:r>
+              <a:rPr lang="zh-TW" altLang="en-US" dirty="0" smtClean="0">
+                <a:latin typeface="微軟正黑體" panose="020B0604030504040204" pitchFamily="34" charset="-120"/>
+                <a:ea typeface="微軟正黑體" panose="020B0604030504040204" pitchFamily="34" charset="-120"/>
+              </a:rPr>
+              <a:t>資料型態的使用差別也讓我們這次的實驗更加順利，在準備資料集的階段使用了很多之前的觀念。</a:t>
+            </a:r>
+            <a:endParaRPr lang="en-US" altLang="zh-TW" dirty="0" smtClean="0">
               <a:latin typeface="微軟正黑體" panose="020B0604030504040204" pitchFamily="34" charset="-120"/>
               <a:ea typeface="微軟正黑體" panose="020B0604030504040204" pitchFamily="34" charset="-120"/>
             </a:endParaRPr>
           </a:p>
+          <a:p>
+            <a:pPr marL="0" indent="0">
+              <a:lnSpc>
+                <a:spcPct val="150000"/>
+              </a:lnSpc>
+              <a:buNone/>
+            </a:pPr>
+            <a:r>
+              <a:rPr lang="zh-TW" altLang="en-US" dirty="0" smtClean="0">
+                <a:latin typeface="微軟正黑體" panose="020B0604030504040204" pitchFamily="34" charset="-120"/>
+                <a:ea typeface="微軟正黑體" panose="020B0604030504040204" pitchFamily="34" charset="-120"/>
+              </a:rPr>
+              <a:t>從這次實驗中我們也知道了在準備資料集時圖片的命名有多重要，如果圖片名稱雜亂沒有規律，也許就要手動的加入每一張圖片，當圖片數量增加，將造成非常大的不便。</a:t>
+            </a:r>
+            <a:endParaRPr lang="en-US" altLang="zh-TW" dirty="0">
+              <a:latin typeface="微軟正黑體" panose="020B0604030504040204" pitchFamily="34" charset="-120"/>
+              <a:ea typeface="微軟正黑體" panose="020B0604030504040204" pitchFamily="34" charset="-120"/>
+            </a:endParaRPr>
+          </a:p>
         </p:txBody>
       </p:sp>
     </p:spTree>
     <p:extLst>
       <p:ext uri="{BB962C8B-B14F-4D97-AF65-F5344CB8AC3E}">
-        <p14:creationId xmlns:p14="http://schemas.microsoft.com/office/powerpoint/2010/main" val="3774608827"/>
+        <p14:creationId xmlns:p14="http://schemas.microsoft.com/office/powerpoint/2010/main" val="3512597139"/>
       </p:ext>
     </p:extLst>
   </p:cSld>
@@ -6612,16 +5224,160 @@
                 <a:latin typeface="微軟正黑體" panose="020B0604030504040204" pitchFamily="34" charset="-120"/>
                 <a:ea typeface="微軟正黑體" panose="020B0604030504040204" pitchFamily="34" charset="-120"/>
               </a:rPr>
-              <a:t>測試中觀察到的</a:t>
+              <a:t>資料集的選擇</a:t>
             </a:r>
             <a:r>
               <a:rPr lang="zh-TW" altLang="en-US" sz="4000" dirty="0" smtClean="0">
                 <a:latin typeface="微軟正黑體" panose="020B0604030504040204" pitchFamily="34" charset="-120"/>
                 <a:ea typeface="微軟正黑體" panose="020B0604030504040204" pitchFamily="34" charset="-120"/>
               </a:rPr>
-              <a:t>差異</a:t>
-            </a:r>
-            <a:endParaRPr lang="zh-TW" altLang="en-US" sz="4000" dirty="0">
+              <a:t>原因</a:t>
+            </a:r>
+            <a:endParaRPr lang="zh-TW" altLang="en-US" sz="1600" dirty="0">
+              <a:latin typeface="微軟正黑體" panose="020B0604030504040204" pitchFamily="34" charset="-120"/>
+              <a:ea typeface="微軟正黑體" panose="020B0604030504040204" pitchFamily="34" charset="-120"/>
+            </a:endParaRPr>
+          </a:p>
+        </p:txBody>
+      </p:sp>
+      <p:sp>
+        <p:nvSpPr>
+          <p:cNvPr id="3" name="文字方塊 2"/>
+          <p:cNvSpPr txBox="1"/>
+          <p:nvPr/>
+        </p:nvSpPr>
+        <p:spPr>
+          <a:xfrm>
+            <a:off x="1470953" y="2092569"/>
+            <a:ext cx="9311054" cy="3139321"/>
+          </a:xfrm>
+          <a:prstGeom prst="rect">
+            <a:avLst/>
+          </a:prstGeom>
+          <a:noFill/>
+        </p:spPr>
+        <p:txBody>
+          <a:bodyPr wrap="square" rtlCol="0">
+            <a:spAutoFit/>
+          </a:bodyPr>
+          <a:lstStyle/>
+          <a:p>
+            <a:pPr>
+              <a:lnSpc>
+                <a:spcPct val="150000"/>
+              </a:lnSpc>
+            </a:pPr>
+            <a:r>
+              <a:rPr lang="zh-TW" altLang="en-US" sz="2000" dirty="0" smtClean="0">
+                <a:latin typeface="微軟正黑體" panose="020B0604030504040204" pitchFamily="34" charset="-120"/>
+                <a:ea typeface="微軟正黑體" panose="020B0604030504040204" pitchFamily="34" charset="-120"/>
+              </a:rPr>
+              <a:t>資料集的收集一開始也花了我們不少時間，原本希望能尋找線上資料庫中打包好的圖片，物體則是類似車子或動物，但在查詢了許多線上資料庫後沒有找到可以直接引用並符合我們需求的函式庫能直接引用大量圖片。</a:t>
+            </a:r>
+            <a:endParaRPr lang="en-US" altLang="zh-TW" sz="2000" dirty="0" smtClean="0">
+              <a:latin typeface="微軟正黑體" panose="020B0604030504040204" pitchFamily="34" charset="-120"/>
+              <a:ea typeface="微軟正黑體" panose="020B0604030504040204" pitchFamily="34" charset="-120"/>
+            </a:endParaRPr>
+          </a:p>
+          <a:p>
+            <a:pPr>
+              <a:lnSpc>
+                <a:spcPct val="150000"/>
+              </a:lnSpc>
+            </a:pPr>
+            <a:r>
+              <a:rPr lang="zh-TW" altLang="en-US" sz="2000" dirty="0" smtClean="0">
+                <a:latin typeface="微軟正黑體" panose="020B0604030504040204" pitchFamily="34" charset="-120"/>
+                <a:ea typeface="微軟正黑體" panose="020B0604030504040204" pitchFamily="34" charset="-120"/>
+              </a:rPr>
+              <a:t>最後在查詢資料時找到</a:t>
+            </a:r>
+            <a:r>
+              <a:rPr lang="en-US" altLang="zh-TW" sz="2000" dirty="0" err="1" smtClean="0">
+                <a:latin typeface="微軟正黑體" panose="020B0604030504040204" pitchFamily="34" charset="-120"/>
+                <a:ea typeface="微軟正黑體" panose="020B0604030504040204" pitchFamily="34" charset="-120"/>
+              </a:rPr>
+              <a:t>Kaggle</a:t>
+            </a:r>
+            <a:r>
+              <a:rPr lang="zh-TW" altLang="en-US" sz="2000" dirty="0" smtClean="0">
+                <a:latin typeface="微軟正黑體" panose="020B0604030504040204" pitchFamily="34" charset="-120"/>
+                <a:ea typeface="微軟正黑體" panose="020B0604030504040204" pitchFamily="34" charset="-120"/>
+              </a:rPr>
+              <a:t>數據分析平台提供資料集圖片下載，並且找到了</a:t>
+            </a:r>
+            <a:r>
+              <a:rPr lang="en-US" altLang="zh-TW" sz="2000" dirty="0">
+                <a:latin typeface="微軟正黑體" panose="020B0604030504040204" pitchFamily="34" charset="-120"/>
+                <a:ea typeface="微軟正黑體" panose="020B0604030504040204" pitchFamily="34" charset="-120"/>
+              </a:rPr>
+              <a:t>Dogs vs. </a:t>
+            </a:r>
+            <a:r>
+              <a:rPr lang="en-US" altLang="zh-TW" sz="2000" dirty="0" smtClean="0">
+                <a:latin typeface="微軟正黑體" panose="020B0604030504040204" pitchFamily="34" charset="-120"/>
+                <a:ea typeface="微軟正黑體" panose="020B0604030504040204" pitchFamily="34" charset="-120"/>
+              </a:rPr>
+              <a:t>Cats</a:t>
+            </a:r>
+            <a:r>
+              <a:rPr lang="zh-TW" altLang="en-US" sz="2000" dirty="0" smtClean="0">
+                <a:latin typeface="微軟正黑體" panose="020B0604030504040204" pitchFamily="34" charset="-120"/>
+                <a:ea typeface="微軟正黑體" panose="020B0604030504040204" pitchFamily="34" charset="-120"/>
+              </a:rPr>
+              <a:t>這篇資料，我們就使用裡面貓的圖片做為這次人以外的資料集。</a:t>
+            </a:r>
+            <a:endParaRPr lang="en-US" altLang="zh-TW" sz="2000" dirty="0" smtClean="0">
+              <a:latin typeface="微軟正黑體" panose="020B0604030504040204" pitchFamily="34" charset="-120"/>
+              <a:ea typeface="微軟正黑體" panose="020B0604030504040204" pitchFamily="34" charset="-120"/>
+            </a:endParaRPr>
+          </a:p>
+          <a:p>
+            <a:pPr>
+              <a:lnSpc>
+                <a:spcPct val="150000"/>
+              </a:lnSpc>
+            </a:pPr>
+            <a:endParaRPr lang="en-US" altLang="zh-TW" sz="1600" dirty="0" smtClean="0">
+              <a:latin typeface="微軟正黑體" panose="020B0604030504040204" pitchFamily="34" charset="-120"/>
+              <a:ea typeface="微軟正黑體" panose="020B0604030504040204" pitchFamily="34" charset="-120"/>
+            </a:endParaRPr>
+          </a:p>
+          <a:p>
+            <a:pPr>
+              <a:lnSpc>
+                <a:spcPct val="150000"/>
+              </a:lnSpc>
+            </a:pPr>
+            <a:r>
+              <a:rPr lang="zh-TW" altLang="en-US" sz="1600" dirty="0" smtClean="0">
+                <a:latin typeface="微軟正黑體" panose="020B0604030504040204" pitchFamily="34" charset="-120"/>
+                <a:ea typeface="微軟正黑體" panose="020B0604030504040204" pitchFamily="34" charset="-120"/>
+              </a:rPr>
+              <a:t>資料</a:t>
+            </a:r>
+            <a:r>
+              <a:rPr lang="zh-TW" altLang="en-US" sz="1600" dirty="0">
+                <a:latin typeface="微軟正黑體" panose="020B0604030504040204" pitchFamily="34" charset="-120"/>
+                <a:ea typeface="微軟正黑體" panose="020B0604030504040204" pitchFamily="34" charset="-120"/>
+              </a:rPr>
+              <a:t>來源</a:t>
+            </a:r>
+            <a:r>
+              <a:rPr lang="en-US" altLang="zh-TW" sz="1600" dirty="0" smtClean="0">
+                <a:latin typeface="微軟正黑體" panose="020B0604030504040204" pitchFamily="34" charset="-120"/>
+                <a:ea typeface="微軟正黑體" panose="020B0604030504040204" pitchFamily="34" charset="-120"/>
+              </a:rPr>
+              <a:t>: https</a:t>
+            </a:r>
+            <a:r>
+              <a:rPr lang="en-US" altLang="zh-TW" sz="1600" dirty="0">
+                <a:latin typeface="微軟正黑體" panose="020B0604030504040204" pitchFamily="34" charset="-120"/>
+                <a:ea typeface="微軟正黑體" panose="020B0604030504040204" pitchFamily="34" charset="-120"/>
+              </a:rPr>
+              <a:t>://www.kaggle.com/c/dogs-vs-cats/data?select=sampleSubmission.csv</a:t>
+            </a:r>
+            <a:endParaRPr lang="zh-TW" altLang="en-US" sz="1600" dirty="0">
               <a:latin typeface="微軟正黑體" panose="020B0604030504040204" pitchFamily="34" charset="-120"/>
               <a:ea typeface="微軟正黑體" panose="020B0604030504040204" pitchFamily="34" charset="-120"/>
             </a:endParaRPr>
@@ -6680,50 +5436,650 @@
                 <a:latin typeface="微軟正黑體" panose="020B0604030504040204" pitchFamily="34" charset="-120"/>
                 <a:ea typeface="微軟正黑體" panose="020B0604030504040204" pitchFamily="34" charset="-120"/>
               </a:rPr>
-              <a:t>遇到的困難即解決方法</a:t>
-            </a:r>
-          </a:p>
-        </p:txBody>
-      </p:sp>
-      <p:sp>
-        <p:nvSpPr>
-          <p:cNvPr id="3" name="內容版面配置區 2"/>
-          <p:cNvSpPr>
-            <a:spLocks noGrp="1"/>
-          </p:cNvSpPr>
-          <p:nvPr>
-            <p:ph idx="1"/>
-          </p:nvPr>
+              <a:t>程式執行的結果、準確率</a:t>
+            </a:r>
+            <a:endParaRPr lang="zh-TW" altLang="en-US" sz="1600" dirty="0">
+              <a:latin typeface="微軟正黑體" panose="020B0604030504040204" pitchFamily="34" charset="-120"/>
+              <a:ea typeface="微軟正黑體" panose="020B0604030504040204" pitchFamily="34" charset="-120"/>
+            </a:endParaRPr>
+          </a:p>
+        </p:txBody>
+      </p:sp>
+      <p:sp>
+        <p:nvSpPr>
+          <p:cNvPr id="3" name="文字方塊 2"/>
+          <p:cNvSpPr txBox="1"/>
+          <p:nvPr/>
         </p:nvSpPr>
         <p:spPr>
           <a:xfrm>
-            <a:off x="688257" y="2103087"/>
-            <a:ext cx="7118555" cy="4023393"/>
+            <a:off x="1470953" y="2092569"/>
+            <a:ext cx="9311054" cy="3231654"/>
           </a:xfrm>
+          <a:prstGeom prst="rect">
+            <a:avLst/>
+          </a:prstGeom>
+          <a:noFill/>
         </p:spPr>
+        <p:txBody>
+          <a:bodyPr wrap="square" rtlCol="0">
+            <a:spAutoFit/>
+          </a:bodyPr>
+          <a:lstStyle/>
+          <a:p>
+            <a:pPr>
+              <a:lnSpc>
+                <a:spcPct val="150000"/>
+              </a:lnSpc>
+            </a:pPr>
+            <a:r>
+              <a:rPr lang="zh-TW" altLang="en-US" sz="2000" dirty="0" smtClean="0">
+                <a:latin typeface="微軟正黑體" panose="020B0604030504040204" pitchFamily="34" charset="-120"/>
+                <a:ea typeface="微軟正黑體" panose="020B0604030504040204" pitchFamily="34" charset="-120"/>
+              </a:rPr>
+              <a:t>在經過了資料處理、</a:t>
+            </a:r>
+            <a:r>
+              <a:rPr lang="en-US" altLang="zh-TW" sz="2000" dirty="0" smtClean="0">
+                <a:latin typeface="微軟正黑體" panose="020B0604030504040204" pitchFamily="34" charset="-120"/>
+                <a:ea typeface="微軟正黑體" panose="020B0604030504040204" pitchFamily="34" charset="-120"/>
+              </a:rPr>
+              <a:t>HOG</a:t>
+            </a:r>
+            <a:r>
+              <a:rPr lang="zh-TW" altLang="en-US" sz="2000" dirty="0" smtClean="0">
+                <a:latin typeface="微軟正黑體" panose="020B0604030504040204" pitchFamily="34" charset="-120"/>
+                <a:ea typeface="微軟正黑體" panose="020B0604030504040204" pitchFamily="34" charset="-120"/>
+              </a:rPr>
+              <a:t>、</a:t>
+            </a:r>
+            <a:r>
+              <a:rPr lang="en-US" altLang="zh-TW" sz="2000" dirty="0" smtClean="0">
+                <a:latin typeface="微軟正黑體" panose="020B0604030504040204" pitchFamily="34" charset="-120"/>
+                <a:ea typeface="微軟正黑體" panose="020B0604030504040204" pitchFamily="34" charset="-120"/>
+              </a:rPr>
+              <a:t>SVM</a:t>
+            </a:r>
+            <a:r>
+              <a:rPr lang="zh-TW" altLang="en-US" sz="2000" dirty="0" smtClean="0">
+                <a:latin typeface="微軟正黑體" panose="020B0604030504040204" pitchFamily="34" charset="-120"/>
+                <a:ea typeface="微軟正黑體" panose="020B0604030504040204" pitchFamily="34" charset="-120"/>
+              </a:rPr>
+              <a:t>後，最終實驗之準確率如下</a:t>
+            </a:r>
+            <a:r>
+              <a:rPr lang="en-US" altLang="zh-TW" sz="2000" dirty="0" smtClean="0">
+                <a:latin typeface="微軟正黑體" panose="020B0604030504040204" pitchFamily="34" charset="-120"/>
+                <a:ea typeface="微軟正黑體" panose="020B0604030504040204" pitchFamily="34" charset="-120"/>
+              </a:rPr>
+              <a:t>:</a:t>
+            </a:r>
+            <a:endParaRPr lang="en-US" altLang="zh-TW" dirty="0" smtClean="0"/>
+          </a:p>
+          <a:p>
+            <a:pPr>
+              <a:lnSpc>
+                <a:spcPct val="150000"/>
+              </a:lnSpc>
+            </a:pPr>
+            <a:r>
+              <a:rPr lang="zh-TW" altLang="en-US" sz="2000" dirty="0">
+                <a:latin typeface="微軟正黑體" panose="020B0604030504040204" pitchFamily="34" charset="-120"/>
+                <a:ea typeface="微軟正黑體" panose="020B0604030504040204" pitchFamily="34" charset="-120"/>
+              </a:rPr>
+              <a:t>其中</a:t>
+            </a:r>
+            <a:r>
+              <a:rPr lang="en-US" altLang="zh-TW" sz="2000" dirty="0">
+                <a:latin typeface="微軟正黑體" panose="020B0604030504040204" pitchFamily="34" charset="-120"/>
+                <a:ea typeface="微軟正黑體" panose="020B0604030504040204" pitchFamily="34" charset="-120"/>
+              </a:rPr>
+              <a:t>prediction accuracy</a:t>
+            </a:r>
+            <a:r>
+              <a:rPr lang="zh-TW" altLang="en-US" sz="2000" dirty="0">
+                <a:latin typeface="微軟正黑體" panose="020B0604030504040204" pitchFamily="34" charset="-120"/>
+                <a:ea typeface="微軟正黑體" panose="020B0604030504040204" pitchFamily="34" charset="-120"/>
+              </a:rPr>
+              <a:t> 為</a:t>
+            </a:r>
+            <a:r>
+              <a:rPr lang="zh-TW" altLang="en-US" sz="2000" dirty="0">
+                <a:latin typeface="微軟正黑體" panose="020B0604030504040204" pitchFamily="34" charset="-120"/>
+                <a:ea typeface="微軟正黑體" panose="020B0604030504040204" pitchFamily="34" charset="-120"/>
+              </a:rPr>
+              <a:t>各十</a:t>
+            </a:r>
+            <a:r>
+              <a:rPr lang="zh-TW" altLang="en-US" sz="2000" dirty="0">
+                <a:latin typeface="微軟正黑體" panose="020B0604030504040204" pitchFamily="34" charset="-120"/>
+                <a:ea typeface="微軟正黑體" panose="020B0604030504040204" pitchFamily="34" charset="-120"/>
+              </a:rPr>
+              <a:t>張訓練模型沒看過的</a:t>
+            </a:r>
+            <a:r>
+              <a:rPr lang="zh-TW" altLang="en-US" sz="2000" dirty="0" smtClean="0">
+                <a:latin typeface="微軟正黑體" panose="020B0604030504040204" pitchFamily="34" charset="-120"/>
+                <a:ea typeface="微軟正黑體" panose="020B0604030504040204" pitchFamily="34" charset="-120"/>
+              </a:rPr>
+              <a:t>圖片</a:t>
+            </a:r>
+            <a:endParaRPr lang="en-US" altLang="zh-TW" sz="2000" dirty="0" smtClean="0">
+              <a:latin typeface="微軟正黑體" panose="020B0604030504040204" pitchFamily="34" charset="-120"/>
+              <a:ea typeface="微軟正黑體" panose="020B0604030504040204" pitchFamily="34" charset="-120"/>
+            </a:endParaRPr>
+          </a:p>
+          <a:p>
+            <a:pPr>
+              <a:lnSpc>
+                <a:spcPct val="150000"/>
+              </a:lnSpc>
+            </a:pPr>
+            <a:endParaRPr lang="en-US" altLang="zh-TW" sz="2000" dirty="0">
+              <a:latin typeface="微軟正黑體" panose="020B0604030504040204" pitchFamily="34" charset="-120"/>
+              <a:ea typeface="微軟正黑體" panose="020B0604030504040204" pitchFamily="34" charset="-120"/>
+            </a:endParaRPr>
+          </a:p>
+          <a:p>
+            <a:pPr>
+              <a:lnSpc>
+                <a:spcPct val="150000"/>
+              </a:lnSpc>
+            </a:pPr>
+            <a:r>
+              <a:rPr lang="en-US" altLang="zh-TW" sz="2000" dirty="0">
+                <a:solidFill>
+                  <a:srgbClr val="0070C0"/>
+                </a:solidFill>
+              </a:rPr>
+              <a:t>Train Data </a:t>
+            </a:r>
+            <a:r>
+              <a:rPr lang="en-US" altLang="zh-TW" sz="2000" dirty="0" smtClean="0">
+                <a:solidFill>
+                  <a:srgbClr val="0070C0"/>
+                </a:solidFill>
+              </a:rPr>
+              <a:t>Accuracy:</a:t>
+            </a:r>
+            <a:r>
+              <a:rPr lang="zh-TW" altLang="en-US" sz="2000" dirty="0" smtClean="0">
+                <a:solidFill>
+                  <a:srgbClr val="0070C0"/>
+                </a:solidFill>
+              </a:rPr>
+              <a:t> </a:t>
+            </a:r>
+            <a:r>
+              <a:rPr lang="en-US" altLang="zh-TW" sz="2000" dirty="0" smtClean="0">
+                <a:solidFill>
+                  <a:srgbClr val="0070C0"/>
+                </a:solidFill>
+              </a:rPr>
+              <a:t>0.9986666666666667</a:t>
+            </a:r>
+            <a:endParaRPr lang="en-US" altLang="zh-TW" sz="2000" dirty="0">
+              <a:solidFill>
+                <a:srgbClr val="0070C0"/>
+              </a:solidFill>
+            </a:endParaRPr>
+          </a:p>
+          <a:p>
+            <a:pPr>
+              <a:lnSpc>
+                <a:spcPct val="150000"/>
+              </a:lnSpc>
+            </a:pPr>
+            <a:r>
+              <a:rPr lang="en-US" altLang="zh-TW" sz="2000" dirty="0">
+                <a:solidFill>
+                  <a:srgbClr val="0070C0"/>
+                </a:solidFill>
+              </a:rPr>
+              <a:t>Test Data </a:t>
+            </a:r>
+            <a:r>
+              <a:rPr lang="en-US" altLang="zh-TW" sz="2000" dirty="0" smtClean="0">
+                <a:solidFill>
+                  <a:srgbClr val="0070C0"/>
+                </a:solidFill>
+              </a:rPr>
+              <a:t>Accuracy:</a:t>
+            </a:r>
+            <a:r>
+              <a:rPr lang="zh-TW" altLang="en-US" sz="2000" dirty="0" smtClean="0">
+                <a:solidFill>
+                  <a:srgbClr val="0070C0"/>
+                </a:solidFill>
+              </a:rPr>
+              <a:t> </a:t>
+            </a:r>
+            <a:r>
+              <a:rPr lang="en-US" altLang="zh-TW" sz="2000" dirty="0" smtClean="0">
+                <a:solidFill>
+                  <a:srgbClr val="0070C0"/>
+                </a:solidFill>
+              </a:rPr>
+              <a:t>0.98</a:t>
+            </a:r>
+            <a:endParaRPr lang="en-US" altLang="zh-TW" sz="2000" dirty="0">
+              <a:solidFill>
+                <a:srgbClr val="0070C0"/>
+              </a:solidFill>
+            </a:endParaRPr>
+          </a:p>
+          <a:p>
+            <a:pPr>
+              <a:lnSpc>
+                <a:spcPct val="150000"/>
+              </a:lnSpc>
+            </a:pPr>
+            <a:r>
+              <a:rPr lang="en-US" altLang="zh-TW" sz="2000" dirty="0" err="1">
+                <a:solidFill>
+                  <a:srgbClr val="0070C0"/>
+                </a:solidFill>
+              </a:rPr>
+              <a:t>Predictin</a:t>
+            </a:r>
+            <a:r>
+              <a:rPr lang="en-US" altLang="zh-TW" sz="2000" dirty="0">
+                <a:solidFill>
+                  <a:srgbClr val="0070C0"/>
+                </a:solidFill>
+              </a:rPr>
+              <a:t> </a:t>
+            </a:r>
+            <a:r>
+              <a:rPr lang="en-US" altLang="zh-TW" sz="2000" dirty="0" smtClean="0">
+                <a:solidFill>
+                  <a:srgbClr val="0070C0"/>
+                </a:solidFill>
+              </a:rPr>
+              <a:t>Accuracy:</a:t>
+            </a:r>
+            <a:r>
+              <a:rPr lang="zh-TW" altLang="en-US" sz="2000" dirty="0" smtClean="0">
+                <a:solidFill>
+                  <a:srgbClr val="0070C0"/>
+                </a:solidFill>
+              </a:rPr>
+              <a:t> </a:t>
+            </a:r>
+            <a:r>
+              <a:rPr lang="en-US" altLang="zh-TW" sz="2000" dirty="0" smtClean="0">
+                <a:solidFill>
+                  <a:srgbClr val="0070C0"/>
+                </a:solidFill>
+              </a:rPr>
+              <a:t>1.0</a:t>
+            </a:r>
+            <a:endParaRPr lang="en-US" altLang="zh-TW" sz="2000" dirty="0">
+              <a:solidFill>
+                <a:srgbClr val="0070C0"/>
+              </a:solidFill>
+            </a:endParaRPr>
+          </a:p>
+          <a:p>
+            <a:pPr>
+              <a:lnSpc>
+                <a:spcPct val="150000"/>
+              </a:lnSpc>
+            </a:pPr>
+            <a:endParaRPr lang="en-US" altLang="zh-TW" sz="1600" dirty="0" smtClean="0">
+              <a:latin typeface="微軟正黑體" panose="020B0604030504040204" pitchFamily="34" charset="-120"/>
+              <a:ea typeface="微軟正黑體" panose="020B0604030504040204" pitchFamily="34" charset="-120"/>
+            </a:endParaRPr>
+          </a:p>
+        </p:txBody>
+      </p:sp>
+    </p:spTree>
+    <p:extLst>
+      <p:ext uri="{BB962C8B-B14F-4D97-AF65-F5344CB8AC3E}">
+        <p14:creationId xmlns:p14="http://schemas.microsoft.com/office/powerpoint/2010/main" val="2633898833"/>
+      </p:ext>
+    </p:extLst>
+  </p:cSld>
+  <p:clrMapOvr>
+    <a:masterClrMapping/>
+  </p:clrMapOvr>
+</p:sld>
+</file>
+
+<file path=ppt/slides/slide6.xml><?xml version="1.0" encoding="utf-8"?>
+<p:sld xmlns:a="http://schemas.openxmlformats.org/drawingml/2006/main" xmlns:r="http://schemas.openxmlformats.org/officeDocument/2006/relationships" xmlns:p="http://schemas.openxmlformats.org/presentationml/2006/main">
+  <p:cSld>
+    <p:spTree>
+      <p:nvGrpSpPr>
+        <p:cNvPr id="1" name=""/>
+        <p:cNvGrpSpPr/>
+        <p:nvPr/>
+      </p:nvGrpSpPr>
+      <p:grpSpPr>
+        <a:xfrm>
+          <a:off x="0" y="0"/>
+          <a:ext cx="0" cy="0"/>
+          <a:chOff x="0" y="0"/>
+          <a:chExt cx="0" cy="0"/>
+        </a:xfrm>
+      </p:grpSpPr>
+      <p:sp>
+        <p:nvSpPr>
+          <p:cNvPr id="2" name="標題 1"/>
+          <p:cNvSpPr>
+            <a:spLocks noGrp="1"/>
+          </p:cNvSpPr>
+          <p:nvPr>
+            <p:ph type="title"/>
+          </p:nvPr>
+        </p:nvSpPr>
+        <p:spPr/>
         <p:txBody>
           <a:bodyPr>
             <a:normAutofit/>
           </a:bodyPr>
           <a:lstStyle/>
           <a:p>
-            <a:pPr marL="0" indent="0">
+            <a:r>
+              <a:rPr lang="zh-TW" altLang="en-US" sz="4000" dirty="0">
+                <a:latin typeface="微軟正黑體" panose="020B0604030504040204" pitchFamily="34" charset="-120"/>
+                <a:ea typeface="微軟正黑體" panose="020B0604030504040204" pitchFamily="34" charset="-120"/>
+              </a:rPr>
+              <a:t>討論分析</a:t>
+            </a:r>
+            <a:endParaRPr lang="zh-TW" altLang="en-US" sz="4000" dirty="0">
+              <a:latin typeface="微軟正黑體" panose="020B0604030504040204" pitchFamily="34" charset="-120"/>
+              <a:ea typeface="微軟正黑體" panose="020B0604030504040204" pitchFamily="34" charset="-120"/>
+            </a:endParaRPr>
+          </a:p>
+        </p:txBody>
+      </p:sp>
+      <p:sp>
+        <p:nvSpPr>
+          <p:cNvPr id="3" name="內容版面配置區 2"/>
+          <p:cNvSpPr>
+            <a:spLocks noGrp="1"/>
+          </p:cNvSpPr>
+          <p:nvPr>
+            <p:ph idx="1"/>
+          </p:nvPr>
+        </p:nvSpPr>
+        <p:spPr/>
+        <p:txBody>
+          <a:bodyPr>
+            <a:normAutofit/>
+          </a:bodyPr>
+          <a:lstStyle/>
+          <a:p>
+            <a:pPr marL="0" defTabSz="457200">
               <a:lnSpc>
                 <a:spcPct val="150000"/>
               </a:lnSpc>
-              <a:buNone/>
             </a:pPr>
+            <a:r>
+              <a:rPr lang="zh-TW" altLang="en-US" dirty="0">
+                <a:solidFill>
+                  <a:schemeClr val="tx1"/>
+                </a:solidFill>
+                <a:latin typeface="微軟正黑體" panose="020B0604030504040204" pitchFamily="34" charset="-120"/>
+                <a:ea typeface="微軟正黑體" panose="020B0604030504040204" pitchFamily="34" charset="-120"/>
+              </a:rPr>
+              <a:t>經過</a:t>
+            </a:r>
+            <a:r>
+              <a:rPr lang="zh-TW" altLang="en-US" dirty="0">
+                <a:solidFill>
+                  <a:schemeClr val="tx1"/>
+                </a:solidFill>
+                <a:latin typeface="微軟正黑體" panose="020B0604030504040204" pitchFamily="34" charset="-120"/>
+                <a:ea typeface="微軟正黑體" panose="020B0604030504040204" pitchFamily="34" charset="-120"/>
+              </a:rPr>
+              <a:t>了一連串的資料處理</a:t>
+            </a:r>
+            <a:r>
+              <a:rPr lang="zh-TW" altLang="en-US" dirty="0">
+                <a:solidFill>
+                  <a:schemeClr val="tx1"/>
+                </a:solidFill>
+                <a:latin typeface="微軟正黑體" panose="020B0604030504040204" pitchFamily="34" charset="-120"/>
+                <a:ea typeface="微軟正黑體" panose="020B0604030504040204" pitchFamily="34" charset="-120"/>
+              </a:rPr>
+              <a:t>、</a:t>
+            </a:r>
+            <a:r>
+              <a:rPr lang="en-US" altLang="zh-TW" dirty="0">
+                <a:solidFill>
+                  <a:schemeClr val="tx1"/>
+                </a:solidFill>
+                <a:latin typeface="微軟正黑體" panose="020B0604030504040204" pitchFamily="34" charset="-120"/>
+                <a:ea typeface="微軟正黑體" panose="020B0604030504040204" pitchFamily="34" charset="-120"/>
+              </a:rPr>
+              <a:t>HOG</a:t>
+            </a:r>
+            <a:r>
+              <a:rPr lang="zh-TW" altLang="en-US" dirty="0">
+                <a:solidFill>
+                  <a:schemeClr val="tx1"/>
+                </a:solidFill>
+                <a:latin typeface="微軟正黑體" panose="020B0604030504040204" pitchFamily="34" charset="-120"/>
+                <a:ea typeface="微軟正黑體" panose="020B0604030504040204" pitchFamily="34" charset="-120"/>
+              </a:rPr>
+              <a:t>資料轉換、和</a:t>
+            </a:r>
+            <a:r>
+              <a:rPr lang="en-US" altLang="zh-TW" dirty="0">
+                <a:solidFill>
+                  <a:schemeClr val="tx1"/>
+                </a:solidFill>
+                <a:latin typeface="微軟正黑體" panose="020B0604030504040204" pitchFamily="34" charset="-120"/>
+                <a:ea typeface="微軟正黑體" panose="020B0604030504040204" pitchFamily="34" charset="-120"/>
+              </a:rPr>
+              <a:t>SVM</a:t>
+            </a:r>
+            <a:r>
+              <a:rPr lang="zh-TW" altLang="en-US" dirty="0">
+                <a:solidFill>
+                  <a:schemeClr val="tx1"/>
+                </a:solidFill>
+                <a:latin typeface="微軟正黑體" panose="020B0604030504040204" pitchFamily="34" charset="-120"/>
+                <a:ea typeface="微軟正黑體" panose="020B0604030504040204" pitchFamily="34" charset="-120"/>
+              </a:rPr>
+              <a:t>訓練後，我們得到了相當不錯的準確率</a:t>
+            </a:r>
+            <a:r>
+              <a:rPr lang="en-US" altLang="zh-TW" dirty="0">
+                <a:solidFill>
+                  <a:schemeClr val="tx1"/>
+                </a:solidFill>
+                <a:latin typeface="微軟正黑體" panose="020B0604030504040204" pitchFamily="34" charset="-120"/>
+                <a:ea typeface="微軟正黑體" panose="020B0604030504040204" pitchFamily="34" charset="-120"/>
+              </a:rPr>
+              <a:t>(Test </a:t>
+            </a:r>
+            <a:r>
+              <a:rPr lang="en-US" altLang="zh-TW" dirty="0">
+                <a:solidFill>
+                  <a:schemeClr val="tx1"/>
+                </a:solidFill>
+                <a:latin typeface="微軟正黑體" panose="020B0604030504040204" pitchFamily="34" charset="-120"/>
+                <a:ea typeface="微軟正黑體" panose="020B0604030504040204" pitchFamily="34" charset="-120"/>
+              </a:rPr>
+              <a:t>Data Accuracy:</a:t>
+            </a:r>
+            <a:r>
+              <a:rPr lang="zh-TW" altLang="en-US" dirty="0">
+                <a:solidFill>
+                  <a:schemeClr val="tx1"/>
+                </a:solidFill>
+                <a:latin typeface="微軟正黑體" panose="020B0604030504040204" pitchFamily="34" charset="-120"/>
+                <a:ea typeface="微軟正黑體" panose="020B0604030504040204" pitchFamily="34" charset="-120"/>
+              </a:rPr>
+              <a:t> </a:t>
+            </a:r>
+            <a:r>
+              <a:rPr lang="en-US" altLang="zh-TW" dirty="0">
+                <a:solidFill>
+                  <a:schemeClr val="tx1"/>
+                </a:solidFill>
+                <a:latin typeface="微軟正黑體" panose="020B0604030504040204" pitchFamily="34" charset="-120"/>
+                <a:ea typeface="微軟正黑體" panose="020B0604030504040204" pitchFamily="34" charset="-120"/>
+              </a:rPr>
+              <a:t>0.98, </a:t>
+            </a:r>
+            <a:r>
+              <a:rPr lang="en-US" altLang="zh-TW" dirty="0" err="1">
+                <a:solidFill>
+                  <a:schemeClr val="tx1"/>
+                </a:solidFill>
+                <a:latin typeface="微軟正黑體" panose="020B0604030504040204" pitchFamily="34" charset="-120"/>
+                <a:ea typeface="微軟正黑體" panose="020B0604030504040204" pitchFamily="34" charset="-120"/>
+              </a:rPr>
+              <a:t>Predictin</a:t>
+            </a:r>
+            <a:r>
+              <a:rPr lang="en-US" altLang="zh-TW" dirty="0">
+                <a:solidFill>
+                  <a:schemeClr val="tx1"/>
+                </a:solidFill>
+                <a:latin typeface="微軟正黑體" panose="020B0604030504040204" pitchFamily="34" charset="-120"/>
+                <a:ea typeface="微軟正黑體" panose="020B0604030504040204" pitchFamily="34" charset="-120"/>
+              </a:rPr>
+              <a:t> Accuracy:</a:t>
+            </a:r>
+            <a:r>
+              <a:rPr lang="zh-TW" altLang="en-US" dirty="0">
+                <a:solidFill>
+                  <a:schemeClr val="tx1"/>
+                </a:solidFill>
+                <a:latin typeface="微軟正黑體" panose="020B0604030504040204" pitchFamily="34" charset="-120"/>
+                <a:ea typeface="微軟正黑體" panose="020B0604030504040204" pitchFamily="34" charset="-120"/>
+              </a:rPr>
+              <a:t> </a:t>
+            </a:r>
+            <a:r>
+              <a:rPr lang="en-US" altLang="zh-TW" dirty="0">
+                <a:solidFill>
+                  <a:schemeClr val="tx1"/>
+                </a:solidFill>
+                <a:latin typeface="微軟正黑體" panose="020B0604030504040204" pitchFamily="34" charset="-120"/>
+                <a:ea typeface="微軟正黑體" panose="020B0604030504040204" pitchFamily="34" charset="-120"/>
+              </a:rPr>
+              <a:t>1.0)</a:t>
+            </a:r>
+            <a:r>
+              <a:rPr lang="zh-TW" altLang="en-US" dirty="0" smtClean="0">
+                <a:solidFill>
+                  <a:schemeClr val="tx1"/>
+                </a:solidFill>
+                <a:latin typeface="微軟正黑體" panose="020B0604030504040204" pitchFamily="34" charset="-120"/>
+                <a:ea typeface="微軟正黑體" panose="020B0604030504040204" pitchFamily="34" charset="-120"/>
+              </a:rPr>
+              <a:t>，</a:t>
+            </a:r>
+            <a:r>
+              <a:rPr lang="zh-TW" altLang="en-US" dirty="0">
+                <a:solidFill>
+                  <a:schemeClr val="tx1"/>
+                </a:solidFill>
+                <a:latin typeface="微軟正黑體" panose="020B0604030504040204" pitchFamily="34" charset="-120"/>
+                <a:ea typeface="微軟正黑體" panose="020B0604030504040204" pitchFamily="34" charset="-120"/>
+              </a:rPr>
+              <a:t>探究</a:t>
+            </a:r>
+            <a:r>
+              <a:rPr lang="zh-TW" altLang="en-US" dirty="0" smtClean="0">
+                <a:solidFill>
+                  <a:schemeClr val="tx1"/>
+                </a:solidFill>
+                <a:latin typeface="微軟正黑體" panose="020B0604030504040204" pitchFamily="34" charset="-120"/>
+                <a:ea typeface="微軟正黑體" panose="020B0604030504040204" pitchFamily="34" charset="-120"/>
+              </a:rPr>
+              <a:t>原因，我認為除了資料處理的方式及圖片</a:t>
+            </a:r>
+            <a:r>
+              <a:rPr lang="zh-TW" altLang="en-US" dirty="0">
+                <a:solidFill>
+                  <a:schemeClr val="tx1"/>
+                </a:solidFill>
+                <a:latin typeface="微軟正黑體" panose="020B0604030504040204" pitchFamily="34" charset="-120"/>
+                <a:ea typeface="微軟正黑體" panose="020B0604030504040204" pitchFamily="34" charset="-120"/>
+              </a:rPr>
+              <a:t>大小</a:t>
+            </a:r>
+            <a:r>
+              <a:rPr lang="zh-TW" altLang="en-US" dirty="0" smtClean="0">
+                <a:solidFill>
+                  <a:schemeClr val="tx1"/>
+                </a:solidFill>
+                <a:latin typeface="微軟正黑體" panose="020B0604030504040204" pitchFamily="34" charset="-120"/>
+                <a:ea typeface="微軟正黑體" panose="020B0604030504040204" pitchFamily="34" charset="-120"/>
+              </a:rPr>
+              <a:t>統一減少了模型不必要的資訊外，</a:t>
+            </a:r>
+            <a:r>
+              <a:rPr lang="en-US" altLang="zh-TW" dirty="0" smtClean="0">
+                <a:solidFill>
+                  <a:schemeClr val="tx1"/>
+                </a:solidFill>
+                <a:latin typeface="微軟正黑體" panose="020B0604030504040204" pitchFamily="34" charset="-120"/>
+                <a:ea typeface="微軟正黑體" panose="020B0604030504040204" pitchFamily="34" charset="-120"/>
+              </a:rPr>
+              <a:t>HOG</a:t>
+            </a:r>
+            <a:r>
+              <a:rPr lang="zh-TW" altLang="en-US" dirty="0" smtClean="0">
+                <a:solidFill>
+                  <a:schemeClr val="tx1"/>
+                </a:solidFill>
+                <a:latin typeface="微軟正黑體" panose="020B0604030504040204" pitchFamily="34" charset="-120"/>
+                <a:ea typeface="微軟正黑體" panose="020B0604030504040204" pitchFamily="34" charset="-120"/>
+              </a:rPr>
+              <a:t>的資料轉換也替我們很好的剔除了光的變化並得到良好的物體特徵，此外貓和人臉的圖片特徵差異也算是容易分辨因此我們得到了非常好的預測結果。</a:t>
+            </a:r>
             <a:endParaRPr lang="en-US" altLang="zh-TW" dirty="0">
+              <a:solidFill>
+                <a:schemeClr val="tx1"/>
+              </a:solidFill>
               <a:latin typeface="微軟正黑體" panose="020B0604030504040204" pitchFamily="34" charset="-120"/>
               <a:ea typeface="微軟正黑體" panose="020B0604030504040204" pitchFamily="34" charset="-120"/>
             </a:endParaRPr>
           </a:p>
+          <a:p>
+            <a:pPr marL="0" indent="0" defTabSz="457200">
+              <a:lnSpc>
+                <a:spcPct val="150000"/>
+              </a:lnSpc>
+              <a:buNone/>
+            </a:pPr>
+            <a:endParaRPr lang="en-US" altLang="zh-TW" dirty="0">
+              <a:solidFill>
+                <a:schemeClr val="tx1"/>
+              </a:solidFill>
+              <a:latin typeface="微軟正黑體" panose="020B0604030504040204" pitchFamily="34" charset="-120"/>
+              <a:ea typeface="微軟正黑體" panose="020B0604030504040204" pitchFamily="34" charset="-120"/>
+            </a:endParaRPr>
+          </a:p>
+          <a:p>
+            <a:pPr marL="0" indent="0" defTabSz="457200">
+              <a:lnSpc>
+                <a:spcPct val="150000"/>
+              </a:lnSpc>
+              <a:buNone/>
+            </a:pPr>
+            <a:endParaRPr lang="zh-TW" altLang="en-US" dirty="0">
+              <a:solidFill>
+                <a:schemeClr val="tx1"/>
+              </a:solidFill>
+              <a:latin typeface="微軟正黑體" panose="020B0604030504040204" pitchFamily="34" charset="-120"/>
+              <a:ea typeface="微軟正黑體" panose="020B0604030504040204" pitchFamily="34" charset="-120"/>
+            </a:endParaRPr>
+          </a:p>
         </p:txBody>
       </p:sp>
     </p:spTree>
     <p:extLst>
       <p:ext uri="{BB962C8B-B14F-4D97-AF65-F5344CB8AC3E}">
-        <p14:creationId xmlns:p14="http://schemas.microsoft.com/office/powerpoint/2010/main" val="3512597139"/>
+        <p14:creationId xmlns:p14="http://schemas.microsoft.com/office/powerpoint/2010/main" val="2332263674"/>
       </p:ext>
     </p:extLst>
   </p:cSld>
